--- a/pptfiles/CrescendoV2.pptx
+++ b/pptfiles/CrescendoV2.pptx
@@ -4,6 +4,9 @@
   <p:sldMasterIdLst>
     <p:sldMasterId id="2147483648" r:id="rId1"/>
   </p:sldMasterIdLst>
+  <p:notesMasterIdLst>
+    <p:notesMasterId r:id="rId11"/>
+  </p:notesMasterIdLst>
   <p:sldIdLst>
     <p:sldId id="256" r:id="rId2"/>
     <p:sldId id="257" r:id="rId3"/>
@@ -7593,6 +7596,450 @@
 </dgm:styleDef>
 </file>
 
+<file path=ppt/notesMasters/notesMaster1.xml><?xml version="1.0" encoding="utf-8"?>
+<p:notesMaster xmlns:a="http://schemas.openxmlformats.org/drawingml/2006/main" xmlns:r="http://schemas.openxmlformats.org/officeDocument/2006/relationships" xmlns:p="http://schemas.openxmlformats.org/presentationml/2006/main">
+  <p:cSld>
+    <p:bg>
+      <p:bgRef idx="1001">
+        <a:schemeClr val="bg1"/>
+      </p:bgRef>
+    </p:bg>
+    <p:spTree>
+      <p:nvGrpSpPr>
+        <p:cNvPr id="1" name=""/>
+        <p:cNvGrpSpPr/>
+        <p:nvPr/>
+      </p:nvGrpSpPr>
+      <p:grpSpPr>
+        <a:xfrm>
+          <a:off x="0" y="0"/>
+          <a:ext cx="0" cy="0"/>
+          <a:chOff x="0" y="0"/>
+          <a:chExt cx="0" cy="0"/>
+        </a:xfrm>
+      </p:grpSpPr>
+      <p:sp>
+        <p:nvSpPr>
+          <p:cNvPr id="2" name="Header Placeholder 1"/>
+          <p:cNvSpPr>
+            <a:spLocks noGrp="1"/>
+          </p:cNvSpPr>
+          <p:nvPr>
+            <p:ph type="hdr" sz="quarter"/>
+          </p:nvPr>
+        </p:nvSpPr>
+        <p:spPr>
+          <a:xfrm>
+            <a:off x="0" y="0"/>
+            <a:ext cx="2971800" cy="458788"/>
+          </a:xfrm>
+          <a:prstGeom prst="rect">
+            <a:avLst/>
+          </a:prstGeom>
+        </p:spPr>
+        <p:txBody>
+          <a:bodyPr vert="horz" lIns="91440" tIns="45720" rIns="91440" bIns="45720" rtlCol="0"/>
+          <a:lstStyle>
+            <a:lvl1pPr algn="l">
+              <a:defRPr sz="1200"/>
+            </a:lvl1pPr>
+          </a:lstStyle>
+          <a:p>
+            <a:endParaRPr lang="en-US"/>
+          </a:p>
+        </p:txBody>
+      </p:sp>
+      <p:sp>
+        <p:nvSpPr>
+          <p:cNvPr id="3" name="Date Placeholder 2"/>
+          <p:cNvSpPr>
+            <a:spLocks noGrp="1"/>
+          </p:cNvSpPr>
+          <p:nvPr>
+            <p:ph type="dt" idx="1"/>
+          </p:nvPr>
+        </p:nvSpPr>
+        <p:spPr>
+          <a:xfrm>
+            <a:off x="3884613" y="0"/>
+            <a:ext cx="2971800" cy="458788"/>
+          </a:xfrm>
+          <a:prstGeom prst="rect">
+            <a:avLst/>
+          </a:prstGeom>
+        </p:spPr>
+        <p:txBody>
+          <a:bodyPr vert="horz" lIns="91440" tIns="45720" rIns="91440" bIns="45720" rtlCol="0"/>
+          <a:lstStyle>
+            <a:lvl1pPr algn="r">
+              <a:defRPr sz="1200"/>
+            </a:lvl1pPr>
+          </a:lstStyle>
+          <a:p>
+            <a:fld id="{C52CA404-BA5F-4263-A878-03452F5C7821}" type="datetimeFigureOut">
+              <a:rPr lang="en-US" smtClean="0"/>
+              <a:t>9/25/2024</a:t>
+            </a:fld>
+            <a:endParaRPr lang="en-US"/>
+          </a:p>
+        </p:txBody>
+      </p:sp>
+      <p:sp>
+        <p:nvSpPr>
+          <p:cNvPr id="4" name="Slide Image Placeholder 3"/>
+          <p:cNvSpPr>
+            <a:spLocks noGrp="1" noRot="1" noChangeAspect="1"/>
+          </p:cNvSpPr>
+          <p:nvPr>
+            <p:ph type="sldImg" idx="2"/>
+          </p:nvPr>
+        </p:nvSpPr>
+        <p:spPr>
+          <a:xfrm>
+            <a:off x="685800" y="1143000"/>
+            <a:ext cx="5486400" cy="3086100"/>
+          </a:xfrm>
+          <a:prstGeom prst="rect">
+            <a:avLst/>
+          </a:prstGeom>
+          <a:noFill/>
+          <a:ln w="12700">
+            <a:solidFill>
+              <a:prstClr val="black"/>
+            </a:solidFill>
+          </a:ln>
+        </p:spPr>
+        <p:txBody>
+          <a:bodyPr vert="horz" lIns="91440" tIns="45720" rIns="91440" bIns="45720" rtlCol="0" anchor="ctr"/>
+          <a:lstStyle/>
+          <a:p>
+            <a:endParaRPr lang="en-US"/>
+          </a:p>
+        </p:txBody>
+      </p:sp>
+      <p:sp>
+        <p:nvSpPr>
+          <p:cNvPr id="5" name="Notes Placeholder 4"/>
+          <p:cNvSpPr>
+            <a:spLocks noGrp="1"/>
+          </p:cNvSpPr>
+          <p:nvPr>
+            <p:ph type="body" sz="quarter" idx="3"/>
+          </p:nvPr>
+        </p:nvSpPr>
+        <p:spPr>
+          <a:xfrm>
+            <a:off x="685800" y="4400550"/>
+            <a:ext cx="5486400" cy="3600450"/>
+          </a:xfrm>
+          <a:prstGeom prst="rect">
+            <a:avLst/>
+          </a:prstGeom>
+        </p:spPr>
+        <p:txBody>
+          <a:bodyPr vert="horz" lIns="91440" tIns="45720" rIns="91440" bIns="45720" rtlCol="0"/>
+          <a:lstStyle/>
+          <a:p>
+            <a:pPr lvl="0"/>
+            <a:r>
+              <a:rPr lang="en-US"/>
+              <a:t>Click to edit Master text styles</a:t>
+            </a:r>
+          </a:p>
+          <a:p>
+            <a:pPr lvl="1"/>
+            <a:r>
+              <a:rPr lang="en-US"/>
+              <a:t>Second level</a:t>
+            </a:r>
+          </a:p>
+          <a:p>
+            <a:pPr lvl="2"/>
+            <a:r>
+              <a:rPr lang="en-US"/>
+              <a:t>Third level</a:t>
+            </a:r>
+          </a:p>
+          <a:p>
+            <a:pPr lvl="3"/>
+            <a:r>
+              <a:rPr lang="en-US"/>
+              <a:t>Fourth level</a:t>
+            </a:r>
+          </a:p>
+          <a:p>
+            <a:pPr lvl="4"/>
+            <a:r>
+              <a:rPr lang="en-US"/>
+              <a:t>Fifth level</a:t>
+            </a:r>
+          </a:p>
+        </p:txBody>
+      </p:sp>
+      <p:sp>
+        <p:nvSpPr>
+          <p:cNvPr id="6" name="Footer Placeholder 5"/>
+          <p:cNvSpPr>
+            <a:spLocks noGrp="1"/>
+          </p:cNvSpPr>
+          <p:nvPr>
+            <p:ph type="ftr" sz="quarter" idx="4"/>
+          </p:nvPr>
+        </p:nvSpPr>
+        <p:spPr>
+          <a:xfrm>
+            <a:off x="0" y="8685213"/>
+            <a:ext cx="2971800" cy="458787"/>
+          </a:xfrm>
+          <a:prstGeom prst="rect">
+            <a:avLst/>
+          </a:prstGeom>
+        </p:spPr>
+        <p:txBody>
+          <a:bodyPr vert="horz" lIns="91440" tIns="45720" rIns="91440" bIns="45720" rtlCol="0" anchor="b"/>
+          <a:lstStyle>
+            <a:lvl1pPr algn="l">
+              <a:defRPr sz="1200"/>
+            </a:lvl1pPr>
+          </a:lstStyle>
+          <a:p>
+            <a:endParaRPr lang="en-US"/>
+          </a:p>
+        </p:txBody>
+      </p:sp>
+      <p:sp>
+        <p:nvSpPr>
+          <p:cNvPr id="7" name="Slide Number Placeholder 6"/>
+          <p:cNvSpPr>
+            <a:spLocks noGrp="1"/>
+          </p:cNvSpPr>
+          <p:nvPr>
+            <p:ph type="sldNum" sz="quarter" idx="5"/>
+          </p:nvPr>
+        </p:nvSpPr>
+        <p:spPr>
+          <a:xfrm>
+            <a:off x="3884613" y="8685213"/>
+            <a:ext cx="2971800" cy="458787"/>
+          </a:xfrm>
+          <a:prstGeom prst="rect">
+            <a:avLst/>
+          </a:prstGeom>
+        </p:spPr>
+        <p:txBody>
+          <a:bodyPr vert="horz" lIns="91440" tIns="45720" rIns="91440" bIns="45720" rtlCol="0" anchor="b"/>
+          <a:lstStyle>
+            <a:lvl1pPr algn="r">
+              <a:defRPr sz="1200"/>
+            </a:lvl1pPr>
+          </a:lstStyle>
+          <a:p>
+            <a:fld id="{087148C5-844F-4B24-AF5D-AE4A32FED565}" type="slidenum">
+              <a:rPr lang="en-US" smtClean="0"/>
+              <a:t>‹#›</a:t>
+            </a:fld>
+            <a:endParaRPr lang="en-US"/>
+          </a:p>
+        </p:txBody>
+      </p:sp>
+    </p:spTree>
+    <p:extLst>
+      <p:ext uri="{BB962C8B-B14F-4D97-AF65-F5344CB8AC3E}">
+        <p14:creationId xmlns:p14="http://schemas.microsoft.com/office/powerpoint/2010/main" val="2265207491"/>
+      </p:ext>
+    </p:extLst>
+  </p:cSld>
+  <p:clrMap bg1="lt1" tx1="dk1" bg2="lt2" tx2="dk2" accent1="accent1" accent2="accent2" accent3="accent3" accent4="accent4" accent5="accent5" accent6="accent6" hlink="hlink" folHlink="folHlink"/>
+  <p:notesStyle>
+    <a:lvl1pPr marL="0" algn="l" defTabSz="914400" rtl="0" eaLnBrk="1" latinLnBrk="0" hangingPunct="1">
+      <a:defRPr sz="1200" kern="1200">
+        <a:solidFill>
+          <a:schemeClr val="tx1"/>
+        </a:solidFill>
+        <a:latin typeface="+mn-lt"/>
+        <a:ea typeface="+mn-ea"/>
+        <a:cs typeface="+mn-cs"/>
+      </a:defRPr>
+    </a:lvl1pPr>
+    <a:lvl2pPr marL="457200" algn="l" defTabSz="914400" rtl="0" eaLnBrk="1" latinLnBrk="0" hangingPunct="1">
+      <a:defRPr sz="1200" kern="1200">
+        <a:solidFill>
+          <a:schemeClr val="tx1"/>
+        </a:solidFill>
+        <a:latin typeface="+mn-lt"/>
+        <a:ea typeface="+mn-ea"/>
+        <a:cs typeface="+mn-cs"/>
+      </a:defRPr>
+    </a:lvl2pPr>
+    <a:lvl3pPr marL="914400" algn="l" defTabSz="914400" rtl="0" eaLnBrk="1" latinLnBrk="0" hangingPunct="1">
+      <a:defRPr sz="1200" kern="1200">
+        <a:solidFill>
+          <a:schemeClr val="tx1"/>
+        </a:solidFill>
+        <a:latin typeface="+mn-lt"/>
+        <a:ea typeface="+mn-ea"/>
+        <a:cs typeface="+mn-cs"/>
+      </a:defRPr>
+    </a:lvl3pPr>
+    <a:lvl4pPr marL="1371600" algn="l" defTabSz="914400" rtl="0" eaLnBrk="1" latinLnBrk="0" hangingPunct="1">
+      <a:defRPr sz="1200" kern="1200">
+        <a:solidFill>
+          <a:schemeClr val="tx1"/>
+        </a:solidFill>
+        <a:latin typeface="+mn-lt"/>
+        <a:ea typeface="+mn-ea"/>
+        <a:cs typeface="+mn-cs"/>
+      </a:defRPr>
+    </a:lvl4pPr>
+    <a:lvl5pPr marL="1828800" algn="l" defTabSz="914400" rtl="0" eaLnBrk="1" latinLnBrk="0" hangingPunct="1">
+      <a:defRPr sz="1200" kern="1200">
+        <a:solidFill>
+          <a:schemeClr val="tx1"/>
+        </a:solidFill>
+        <a:latin typeface="+mn-lt"/>
+        <a:ea typeface="+mn-ea"/>
+        <a:cs typeface="+mn-cs"/>
+      </a:defRPr>
+    </a:lvl5pPr>
+    <a:lvl6pPr marL="2286000" algn="l" defTabSz="914400" rtl="0" eaLnBrk="1" latinLnBrk="0" hangingPunct="1">
+      <a:defRPr sz="1200" kern="1200">
+        <a:solidFill>
+          <a:schemeClr val="tx1"/>
+        </a:solidFill>
+        <a:latin typeface="+mn-lt"/>
+        <a:ea typeface="+mn-ea"/>
+        <a:cs typeface="+mn-cs"/>
+      </a:defRPr>
+    </a:lvl6pPr>
+    <a:lvl7pPr marL="2743200" algn="l" defTabSz="914400" rtl="0" eaLnBrk="1" latinLnBrk="0" hangingPunct="1">
+      <a:defRPr sz="1200" kern="1200">
+        <a:solidFill>
+          <a:schemeClr val="tx1"/>
+        </a:solidFill>
+        <a:latin typeface="+mn-lt"/>
+        <a:ea typeface="+mn-ea"/>
+        <a:cs typeface="+mn-cs"/>
+      </a:defRPr>
+    </a:lvl7pPr>
+    <a:lvl8pPr marL="3200400" algn="l" defTabSz="914400" rtl="0" eaLnBrk="1" latinLnBrk="0" hangingPunct="1">
+      <a:defRPr sz="1200" kern="1200">
+        <a:solidFill>
+          <a:schemeClr val="tx1"/>
+        </a:solidFill>
+        <a:latin typeface="+mn-lt"/>
+        <a:ea typeface="+mn-ea"/>
+        <a:cs typeface="+mn-cs"/>
+      </a:defRPr>
+    </a:lvl8pPr>
+    <a:lvl9pPr marL="3657600" algn="l" defTabSz="914400" rtl="0" eaLnBrk="1" latinLnBrk="0" hangingPunct="1">
+      <a:defRPr sz="1200" kern="1200">
+        <a:solidFill>
+          <a:schemeClr val="tx1"/>
+        </a:solidFill>
+        <a:latin typeface="+mn-lt"/>
+        <a:ea typeface="+mn-ea"/>
+        <a:cs typeface="+mn-cs"/>
+      </a:defRPr>
+    </a:lvl9pPr>
+  </p:notesStyle>
+</p:notesMaster>
+</file>
+
+<file path=ppt/notesSlides/notesSlide1.xml><?xml version="1.0" encoding="utf-8"?>
+<p:notes xmlns:a="http://schemas.openxmlformats.org/drawingml/2006/main" xmlns:r="http://schemas.openxmlformats.org/officeDocument/2006/relationships" xmlns:p="http://schemas.openxmlformats.org/presentationml/2006/main">
+  <p:cSld>
+    <p:spTree>
+      <p:nvGrpSpPr>
+        <p:cNvPr id="1" name=""/>
+        <p:cNvGrpSpPr/>
+        <p:nvPr/>
+      </p:nvGrpSpPr>
+      <p:grpSpPr>
+        <a:xfrm>
+          <a:off x="0" y="0"/>
+          <a:ext cx="0" cy="0"/>
+          <a:chOff x="0" y="0"/>
+          <a:chExt cx="0" cy="0"/>
+        </a:xfrm>
+      </p:grpSpPr>
+      <p:sp>
+        <p:nvSpPr>
+          <p:cNvPr id="2" name="Slide Image Placeholder 1"/>
+          <p:cNvSpPr>
+            <a:spLocks noGrp="1" noRot="1" noChangeAspect="1"/>
+          </p:cNvSpPr>
+          <p:nvPr>
+            <p:ph type="sldImg"/>
+          </p:nvPr>
+        </p:nvSpPr>
+        <p:spPr/>
+      </p:sp>
+      <p:sp>
+        <p:nvSpPr>
+          <p:cNvPr id="3" name="Notes Placeholder 2"/>
+          <p:cNvSpPr>
+            <a:spLocks noGrp="1"/>
+          </p:cNvSpPr>
+          <p:nvPr>
+            <p:ph type="body" idx="1"/>
+          </p:nvPr>
+        </p:nvSpPr>
+        <p:spPr/>
+        <p:txBody>
+          <a:bodyPr/>
+          <a:lstStyle/>
+          <a:p>
+            <a:r>
+              <a:rPr lang="en-US" dirty="0"/>
+              <a:t>Don’t edit the generated module – update the </a:t>
+            </a:r>
+            <a:r>
+              <a:rPr lang="en-US"/>
+              <a:t>config and rebuild </a:t>
+            </a:r>
+            <a:r>
+              <a:rPr lang="en-US" dirty="0"/>
+              <a:t>it instead</a:t>
+            </a:r>
+          </a:p>
+        </p:txBody>
+      </p:sp>
+      <p:sp>
+        <p:nvSpPr>
+          <p:cNvPr id="4" name="Slide Number Placeholder 3"/>
+          <p:cNvSpPr>
+            <a:spLocks noGrp="1"/>
+          </p:cNvSpPr>
+          <p:nvPr>
+            <p:ph type="sldNum" sz="quarter" idx="5"/>
+          </p:nvPr>
+        </p:nvSpPr>
+        <p:spPr/>
+        <p:txBody>
+          <a:bodyPr/>
+          <a:lstStyle/>
+          <a:p>
+            <a:fld id="{087148C5-844F-4B24-AF5D-AE4A32FED565}" type="slidenum">
+              <a:rPr lang="en-US" smtClean="0"/>
+              <a:t>2</a:t>
+            </a:fld>
+            <a:endParaRPr lang="en-US"/>
+          </a:p>
+        </p:txBody>
+      </p:sp>
+    </p:spTree>
+    <p:extLst>
+      <p:ext uri="{BB962C8B-B14F-4D97-AF65-F5344CB8AC3E}">
+        <p14:creationId xmlns:p14="http://schemas.microsoft.com/office/powerpoint/2010/main" val="2377661064"/>
+      </p:ext>
+    </p:extLst>
+  </p:cSld>
+  <p:clrMapOvr>
+    <a:masterClrMapping/>
+  </p:clrMapOvr>
+</p:notes>
+</file>
+
 <file path=ppt/slideLayouts/slideLayout1.xml><?xml version="1.0" encoding="utf-8"?>
 <p:sldLayout xmlns:a="http://schemas.openxmlformats.org/drawingml/2006/main" xmlns:r="http://schemas.openxmlformats.org/officeDocument/2006/relationships" xmlns:p="http://schemas.openxmlformats.org/presentationml/2006/main" type="title" preserve="1">
   <p:cSld name="Title Slide">
@@ -11653,7 +12100,7 @@
           <p:nvPr/>
         </p:nvPicPr>
         <p:blipFill>
-          <a:blip r:embed="rId2">
+          <a:blip r:embed="rId3">
             <a:extLst>
               <a:ext uri="{28A0092B-C50C-407E-A947-70E740481C1C}">
                 <a14:useLocalDpi xmlns:a14="http://schemas.microsoft.com/office/drawing/2010/main" val="0"/>
@@ -11791,7 +12238,7 @@
           <p:nvPr/>
         </p:nvPicPr>
         <p:blipFill>
-          <a:blip r:embed="rId3">
+          <a:blip r:embed="rId4">
             <a:extLst>
               <a:ext uri="{28A0092B-C50C-407E-A947-70E740481C1C}">
                 <a14:useLocalDpi xmlns:a14="http://schemas.microsoft.com/office/drawing/2010/main" val="0"/>
@@ -14353,6 +14800,321 @@
 </a:theme>
 </file>
 
+<file path=ppt/theme/theme2.xml><?xml version="1.0" encoding="utf-8"?>
+<a:theme xmlns:a="http://schemas.openxmlformats.org/drawingml/2006/main" name="Office Theme">
+  <a:themeElements>
+    <a:clrScheme name="Office">
+      <a:dk1>
+        <a:sysClr val="windowText" lastClr="000000"/>
+      </a:dk1>
+      <a:lt1>
+        <a:sysClr val="window" lastClr="FFFFFF"/>
+      </a:lt1>
+      <a:dk2>
+        <a:srgbClr val="0E2841"/>
+      </a:dk2>
+      <a:lt2>
+        <a:srgbClr val="E8E8E8"/>
+      </a:lt2>
+      <a:accent1>
+        <a:srgbClr val="156082"/>
+      </a:accent1>
+      <a:accent2>
+        <a:srgbClr val="E97132"/>
+      </a:accent2>
+      <a:accent3>
+        <a:srgbClr val="196B24"/>
+      </a:accent3>
+      <a:accent4>
+        <a:srgbClr val="0F9ED5"/>
+      </a:accent4>
+      <a:accent5>
+        <a:srgbClr val="A02B93"/>
+      </a:accent5>
+      <a:accent6>
+        <a:srgbClr val="4EA72E"/>
+      </a:accent6>
+      <a:hlink>
+        <a:srgbClr val="467886"/>
+      </a:hlink>
+      <a:folHlink>
+        <a:srgbClr val="96607D"/>
+      </a:folHlink>
+    </a:clrScheme>
+    <a:fontScheme name="Office">
+      <a:majorFont>
+        <a:latin typeface="Aptos Display" panose="02110004020202020204"/>
+        <a:ea typeface=""/>
+        <a:cs typeface=""/>
+        <a:font script="Jpan" typeface="游ゴシック Light"/>
+        <a:font script="Hang" typeface="맑은 고딕"/>
+        <a:font script="Hans" typeface="等线 Light"/>
+        <a:font script="Hant" typeface="新細明體"/>
+        <a:font script="Arab" typeface="Times New Roman"/>
+        <a:font script="Hebr" typeface="Times New Roman"/>
+        <a:font script="Thai" typeface="Angsana New"/>
+        <a:font script="Ethi" typeface="Nyala"/>
+        <a:font script="Beng" typeface="Vrinda"/>
+        <a:font script="Gujr" typeface="Shruti"/>
+        <a:font script="Khmr" typeface="MoolBoran"/>
+        <a:font script="Knda" typeface="Tunga"/>
+        <a:font script="Guru" typeface="Raavi"/>
+        <a:font script="Cans" typeface="Euphemia"/>
+        <a:font script="Cher" typeface="Plantagenet Cherokee"/>
+        <a:font script="Yiii" typeface="Microsoft Yi Baiti"/>
+        <a:font script="Tibt" typeface="Microsoft Himalaya"/>
+        <a:font script="Thaa" typeface="MV Boli"/>
+        <a:font script="Deva" typeface="Mangal"/>
+        <a:font script="Telu" typeface="Gautami"/>
+        <a:font script="Taml" typeface="Latha"/>
+        <a:font script="Syrc" typeface="Estrangelo Edessa"/>
+        <a:font script="Orya" typeface="Kalinga"/>
+        <a:font script="Mlym" typeface="Kartika"/>
+        <a:font script="Laoo" typeface="DokChampa"/>
+        <a:font script="Sinh" typeface="Iskoola Pota"/>
+        <a:font script="Mong" typeface="Mongolian Baiti"/>
+        <a:font script="Viet" typeface="Times New Roman"/>
+        <a:font script="Uigh" typeface="Microsoft Uighur"/>
+        <a:font script="Geor" typeface="Sylfaen"/>
+        <a:font script="Armn" typeface="Arial"/>
+        <a:font script="Bugi" typeface="Leelawadee UI"/>
+        <a:font script="Bopo" typeface="Microsoft JhengHei"/>
+        <a:font script="Java" typeface="Javanese Text"/>
+        <a:font script="Lisu" typeface="Segoe UI"/>
+        <a:font script="Mymr" typeface="Myanmar Text"/>
+        <a:font script="Nkoo" typeface="Ebrima"/>
+        <a:font script="Olck" typeface="Nirmala UI"/>
+        <a:font script="Osma" typeface="Ebrima"/>
+        <a:font script="Phag" typeface="Phagspa"/>
+        <a:font script="Syrn" typeface="Estrangelo Edessa"/>
+        <a:font script="Syrj" typeface="Estrangelo Edessa"/>
+        <a:font script="Syre" typeface="Estrangelo Edessa"/>
+        <a:font script="Sora" typeface="Nirmala UI"/>
+        <a:font script="Tale" typeface="Microsoft Tai Le"/>
+        <a:font script="Talu" typeface="Microsoft New Tai Lue"/>
+        <a:font script="Tfng" typeface="Ebrima"/>
+      </a:majorFont>
+      <a:minorFont>
+        <a:latin typeface="Aptos" panose="02110004020202020204"/>
+        <a:ea typeface=""/>
+        <a:cs typeface=""/>
+        <a:font script="Jpan" typeface="游ゴシック"/>
+        <a:font script="Hang" typeface="맑은 고딕"/>
+        <a:font script="Hans" typeface="等线"/>
+        <a:font script="Hant" typeface="新細明體"/>
+        <a:font script="Arab" typeface="Arial"/>
+        <a:font script="Hebr" typeface="Arial"/>
+        <a:font script="Thai" typeface="Cordia New"/>
+        <a:font script="Ethi" typeface="Nyala"/>
+        <a:font script="Beng" typeface="Vrinda"/>
+        <a:font script="Gujr" typeface="Shruti"/>
+        <a:font script="Khmr" typeface="DaunPenh"/>
+        <a:font script="Knda" typeface="Tunga"/>
+        <a:font script="Guru" typeface="Raavi"/>
+        <a:font script="Cans" typeface="Euphemia"/>
+        <a:font script="Cher" typeface="Plantagenet Cherokee"/>
+        <a:font script="Yiii" typeface="Microsoft Yi Baiti"/>
+        <a:font script="Tibt" typeface="Microsoft Himalaya"/>
+        <a:font script="Thaa" typeface="MV Boli"/>
+        <a:font script="Deva" typeface="Mangal"/>
+        <a:font script="Telu" typeface="Gautami"/>
+        <a:font script="Taml" typeface="Latha"/>
+        <a:font script="Syrc" typeface="Estrangelo Edessa"/>
+        <a:font script="Orya" typeface="Kalinga"/>
+        <a:font script="Mlym" typeface="Kartika"/>
+        <a:font script="Laoo" typeface="DokChampa"/>
+        <a:font script="Sinh" typeface="Iskoola Pota"/>
+        <a:font script="Mong" typeface="Mongolian Baiti"/>
+        <a:font script="Viet" typeface="Arial"/>
+        <a:font script="Uigh" typeface="Microsoft Uighur"/>
+        <a:font script="Geor" typeface="Sylfaen"/>
+        <a:font script="Armn" typeface="Arial"/>
+        <a:font script="Bugi" typeface="Leelawadee UI"/>
+        <a:font script="Bopo" typeface="Microsoft JhengHei"/>
+        <a:font script="Java" typeface="Javanese Text"/>
+        <a:font script="Lisu" typeface="Segoe UI"/>
+        <a:font script="Mymr" typeface="Myanmar Text"/>
+        <a:font script="Nkoo" typeface="Ebrima"/>
+        <a:font script="Olck" typeface="Nirmala UI"/>
+        <a:font script="Osma" typeface="Ebrima"/>
+        <a:font script="Phag" typeface="Phagspa"/>
+        <a:font script="Syrn" typeface="Estrangelo Edessa"/>
+        <a:font script="Syrj" typeface="Estrangelo Edessa"/>
+        <a:font script="Syre" typeface="Estrangelo Edessa"/>
+        <a:font script="Sora" typeface="Nirmala UI"/>
+        <a:font script="Tale" typeface="Microsoft Tai Le"/>
+        <a:font script="Talu" typeface="Microsoft New Tai Lue"/>
+        <a:font script="Tfng" typeface="Ebrima"/>
+      </a:minorFont>
+    </a:fontScheme>
+    <a:fmtScheme name="Office">
+      <a:fillStyleLst>
+        <a:solidFill>
+          <a:schemeClr val="phClr"/>
+        </a:solidFill>
+        <a:gradFill rotWithShape="1">
+          <a:gsLst>
+            <a:gs pos="0">
+              <a:schemeClr val="phClr">
+                <a:lumMod val="110000"/>
+                <a:satMod val="105000"/>
+                <a:tint val="67000"/>
+              </a:schemeClr>
+            </a:gs>
+            <a:gs pos="50000">
+              <a:schemeClr val="phClr">
+                <a:lumMod val="105000"/>
+                <a:satMod val="103000"/>
+                <a:tint val="73000"/>
+              </a:schemeClr>
+            </a:gs>
+            <a:gs pos="100000">
+              <a:schemeClr val="phClr">
+                <a:lumMod val="105000"/>
+                <a:satMod val="109000"/>
+                <a:tint val="81000"/>
+              </a:schemeClr>
+            </a:gs>
+          </a:gsLst>
+          <a:lin ang="5400000" scaled="0"/>
+        </a:gradFill>
+        <a:gradFill rotWithShape="1">
+          <a:gsLst>
+            <a:gs pos="0">
+              <a:schemeClr val="phClr">
+                <a:satMod val="103000"/>
+                <a:lumMod val="102000"/>
+                <a:tint val="94000"/>
+              </a:schemeClr>
+            </a:gs>
+            <a:gs pos="50000">
+              <a:schemeClr val="phClr">
+                <a:satMod val="110000"/>
+                <a:lumMod val="100000"/>
+                <a:shade val="100000"/>
+              </a:schemeClr>
+            </a:gs>
+            <a:gs pos="100000">
+              <a:schemeClr val="phClr">
+                <a:lumMod val="99000"/>
+                <a:satMod val="120000"/>
+                <a:shade val="78000"/>
+              </a:schemeClr>
+            </a:gs>
+          </a:gsLst>
+          <a:lin ang="5400000" scaled="0"/>
+        </a:gradFill>
+      </a:fillStyleLst>
+      <a:lnStyleLst>
+        <a:ln w="12700" cap="flat" cmpd="sng" algn="ctr">
+          <a:solidFill>
+            <a:schemeClr val="phClr"/>
+          </a:solidFill>
+          <a:prstDash val="solid"/>
+          <a:miter lim="800000"/>
+        </a:ln>
+        <a:ln w="19050" cap="flat" cmpd="sng" algn="ctr">
+          <a:solidFill>
+            <a:schemeClr val="phClr"/>
+          </a:solidFill>
+          <a:prstDash val="solid"/>
+          <a:miter lim="800000"/>
+        </a:ln>
+        <a:ln w="25400" cap="flat" cmpd="sng" algn="ctr">
+          <a:solidFill>
+            <a:schemeClr val="phClr"/>
+          </a:solidFill>
+          <a:prstDash val="solid"/>
+          <a:miter lim="800000"/>
+        </a:ln>
+      </a:lnStyleLst>
+      <a:effectStyleLst>
+        <a:effectStyle>
+          <a:effectLst/>
+        </a:effectStyle>
+        <a:effectStyle>
+          <a:effectLst/>
+        </a:effectStyle>
+        <a:effectStyle>
+          <a:effectLst>
+            <a:outerShdw blurRad="57150" dist="19050" dir="5400000" algn="ctr" rotWithShape="0">
+              <a:srgbClr val="000000">
+                <a:alpha val="63000"/>
+              </a:srgbClr>
+            </a:outerShdw>
+          </a:effectLst>
+        </a:effectStyle>
+      </a:effectStyleLst>
+      <a:bgFillStyleLst>
+        <a:solidFill>
+          <a:schemeClr val="phClr"/>
+        </a:solidFill>
+        <a:solidFill>
+          <a:schemeClr val="phClr">
+            <a:tint val="95000"/>
+            <a:satMod val="170000"/>
+          </a:schemeClr>
+        </a:solidFill>
+        <a:gradFill rotWithShape="1">
+          <a:gsLst>
+            <a:gs pos="0">
+              <a:schemeClr val="phClr">
+                <a:tint val="93000"/>
+                <a:satMod val="150000"/>
+                <a:shade val="98000"/>
+                <a:lumMod val="102000"/>
+              </a:schemeClr>
+            </a:gs>
+            <a:gs pos="50000">
+              <a:schemeClr val="phClr">
+                <a:tint val="98000"/>
+                <a:satMod val="130000"/>
+                <a:shade val="90000"/>
+                <a:lumMod val="103000"/>
+              </a:schemeClr>
+            </a:gs>
+            <a:gs pos="100000">
+              <a:schemeClr val="phClr">
+                <a:shade val="63000"/>
+                <a:satMod val="120000"/>
+              </a:schemeClr>
+            </a:gs>
+          </a:gsLst>
+          <a:lin ang="5400000" scaled="0"/>
+        </a:gradFill>
+      </a:bgFillStyleLst>
+    </a:fmtScheme>
+  </a:themeElements>
+  <a:objectDefaults>
+    <a:lnDef>
+      <a:spPr/>
+      <a:bodyPr/>
+      <a:lstStyle/>
+      <a:style>
+        <a:lnRef idx="2">
+          <a:schemeClr val="accent1"/>
+        </a:lnRef>
+        <a:fillRef idx="0">
+          <a:schemeClr val="accent1"/>
+        </a:fillRef>
+        <a:effectRef idx="1">
+          <a:schemeClr val="accent1"/>
+        </a:effectRef>
+        <a:fontRef idx="minor">
+          <a:schemeClr val="tx1"/>
+        </a:fontRef>
+      </a:style>
+    </a:lnDef>
+  </a:objectDefaults>
+  <a:extraClrSchemeLst/>
+  <a:extLst>
+    <a:ext uri="{05A4C25C-085E-4340-85A3-A5531E510DB2}">
+      <thm15:themeFamily xmlns:thm15="http://schemas.microsoft.com/office/thememl/2012/main" name="Office Theme" id="{2E142A2C-CD16-42D6-873A-C26D2A0506FA}" vid="{1BDDFF52-6CD6-40A5-AB3C-68EB2F1E4D0A}"/>
+    </a:ext>
+  </a:extLst>
+</a:theme>
+</file>
+
 <file path=docMetadata/LabelInfo.xml><?xml version="1.0" encoding="utf-8"?>
 <clbl:labelList xmlns:clbl="http://schemas.microsoft.com/office/2020/mipLabelMetadata">
   <clbl:label id="{f42aa342-8706-4288-bd11-ebb85995028c}" enabled="1" method="Standard" siteId="{72f988bf-86f1-41af-91ab-2d7cd011db47}" contentBits="0" removed="0"/>

--- a/pptfiles/CrescendoV2.pptx
+++ b/pptfiles/CrescendoV2.pptx
@@ -5,7 +5,7 @@
     <p:sldMasterId id="2147483648" r:id="rId1"/>
   </p:sldMasterIdLst>
   <p:notesMasterIdLst>
-    <p:notesMasterId r:id="rId11"/>
+    <p:notesMasterId r:id="rId12"/>
   </p:notesMasterIdLst>
   <p:sldIdLst>
     <p:sldId id="256" r:id="rId2"/>
@@ -13,10 +13,11 @@
     <p:sldId id="261" r:id="rId4"/>
     <p:sldId id="259" r:id="rId5"/>
     <p:sldId id="266" r:id="rId6"/>
-    <p:sldId id="262" r:id="rId7"/>
-    <p:sldId id="263" r:id="rId8"/>
-    <p:sldId id="264" r:id="rId9"/>
-    <p:sldId id="265" r:id="rId10"/>
+    <p:sldId id="267" r:id="rId7"/>
+    <p:sldId id="268" r:id="rId8"/>
+    <p:sldId id="263" r:id="rId9"/>
+    <p:sldId id="262" r:id="rId10"/>
+    <p:sldId id="264" r:id="rId11"/>
   </p:sldIdLst>
   <p:sldSz cx="12192000" cy="6858000"/>
   <p:notesSz cx="6858000" cy="9144000"/>
@@ -1709,9 +1710,10 @@
         <a:lstStyle/>
         <a:p>
           <a:r>
-            <a:rPr lang="en-US" sz="2000" dirty="0"/>
-            <a:t>No handler</a:t>
+            <a:rPr lang="en-US" sz="2000"/>
+            <a:t>ByPass</a:t>
           </a:r>
+          <a:endParaRPr lang="en-US" sz="2000" dirty="0"/>
         </a:p>
       </dgm:t>
     </dgm:pt>
@@ -2292,7 +2294,7 @@
   <dgm:whole/>
   <dgm:extLst>
     <a:ext uri="http://schemas.microsoft.com/office/drawing/2008/diagram">
-      <dsp:dataModelExt xmlns:dsp="http://schemas.microsoft.com/office/drawing/2008/diagram" relId="rId6" minVer="http://schemas.openxmlformats.org/drawingml/2006/diagram"/>
+      <dsp:dataModelExt xmlns:dsp="http://schemas.microsoft.com/office/drawing/2008/diagram" relId="rId7" minVer="http://schemas.openxmlformats.org/drawingml/2006/diagram"/>
     </a:ext>
   </dgm:extLst>
 </dgm:dataModel>
@@ -2302,7 +2304,7 @@
 <dgm:dataModel xmlns:dgm="http://schemas.openxmlformats.org/drawingml/2006/diagram" xmlns:a="http://schemas.openxmlformats.org/drawingml/2006/main">
   <dgm:ptLst>
     <dgm:pt modelId="{7F07EF18-A635-4ED0-A306-3090A8DC9F00}" type="doc">
-      <dgm:prSet loTypeId="urn:microsoft.com/office/officeart/2008/layout/VerticalCurvedList" loCatId="list" qsTypeId="urn:microsoft.com/office/officeart/2005/8/quickstyle/simple1" qsCatId="simple" csTypeId="urn:microsoft.com/office/officeart/2005/8/colors/colorful3" csCatId="colorful"/>
+      <dgm:prSet loTypeId="urn:microsoft.com/office/officeart/2008/layout/VerticalCurvedList" loCatId="list" qsTypeId="urn:microsoft.com/office/officeart/2005/8/quickstyle/simple1" qsCatId="simple" csTypeId="urn:microsoft.com/office/officeart/2005/8/colors/colorful3" csCatId="colorful" phldr="1"/>
       <dgm:spPr/>
       <dgm:t>
         <a:bodyPr/>
@@ -2320,8 +2322,8 @@
         <a:lstStyle/>
         <a:p>
           <a:r>
-            <a:rPr lang="en-US"/>
-            <a:t>Bypass output handling</a:t>
+            <a:rPr lang="en-US" dirty="0"/>
+            <a:t>Handle error output</a:t>
           </a:r>
         </a:p>
       </dgm:t>
@@ -2338,42 +2340,6 @@
       </dgm:t>
     </dgm:pt>
     <dgm:pt modelId="{5180AD65-9EB9-4998-A21D-6A87E5CE211D}" type="sibTrans" cxnId="{F88FF58A-5689-4894-B347-1DD0EE51A243}">
-      <dgm:prSet/>
-      <dgm:spPr/>
-      <dgm:t>
-        <a:bodyPr/>
-        <a:lstStyle/>
-        <a:p>
-          <a:endParaRPr lang="en-US"/>
-        </a:p>
-      </dgm:t>
-    </dgm:pt>
-    <dgm:pt modelId="{6A5E05C7-FD6F-498D-B8FB-728768F0986E}">
-      <dgm:prSet/>
-      <dgm:spPr/>
-      <dgm:t>
-        <a:bodyPr/>
-        <a:lstStyle/>
-        <a:p>
-          <a:r>
-            <a:rPr lang="en-US"/>
-            <a:t>Handle error output</a:t>
-          </a:r>
-        </a:p>
-      </dgm:t>
-    </dgm:pt>
-    <dgm:pt modelId="{FB31332E-2CFB-4BD6-A08D-03BE5F009C63}" type="parTrans" cxnId="{C7216466-DCFA-466D-B42B-C74071AB1B2B}">
-      <dgm:prSet/>
-      <dgm:spPr/>
-      <dgm:t>
-        <a:bodyPr/>
-        <a:lstStyle/>
-        <a:p>
-          <a:endParaRPr lang="en-US"/>
-        </a:p>
-      </dgm:t>
-    </dgm:pt>
-    <dgm:pt modelId="{E3DD75E4-920E-4625-ADD3-80BEB20DC206}" type="sibTrans" cxnId="{C7216466-DCFA-466D-B42B-C74071AB1B2B}">
       <dgm:prSet/>
       <dgm:spPr/>
       <dgm:t>
@@ -2511,7 +2477,7 @@
       <dgm:spPr/>
     </dgm:pt>
     <dgm:pt modelId="{F28F468C-BD5D-4FF0-A7C2-B428458D76B8}" type="pres">
-      <dgm:prSet presAssocID="{7F07EF18-A635-4ED0-A306-3090A8DC9F00}" presName="srcNode" presStyleLbl="node1" presStyleIdx="0" presStyleCnt="5"/>
+      <dgm:prSet presAssocID="{7F07EF18-A635-4ED0-A306-3090A8DC9F00}" presName="srcNode" presStyleLbl="node1" presStyleIdx="0" presStyleCnt="4"/>
       <dgm:spPr/>
     </dgm:pt>
     <dgm:pt modelId="{953FE5A7-9782-403D-A835-7BF02EA450E7}" type="pres">
@@ -2519,15 +2485,15 @@
       <dgm:spPr/>
     </dgm:pt>
     <dgm:pt modelId="{E67882E0-803B-4B2A-AA7E-9D07BA269733}" type="pres">
-      <dgm:prSet presAssocID="{7F07EF18-A635-4ED0-A306-3090A8DC9F00}" presName="extraNode" presStyleLbl="node1" presStyleIdx="0" presStyleCnt="5"/>
+      <dgm:prSet presAssocID="{7F07EF18-A635-4ED0-A306-3090A8DC9F00}" presName="extraNode" presStyleLbl="node1" presStyleIdx="0" presStyleCnt="4"/>
       <dgm:spPr/>
     </dgm:pt>
     <dgm:pt modelId="{B4917996-192F-4481-8E1B-FF210AAB5179}" type="pres">
-      <dgm:prSet presAssocID="{7F07EF18-A635-4ED0-A306-3090A8DC9F00}" presName="dstNode" presStyleLbl="node1" presStyleIdx="0" presStyleCnt="5"/>
+      <dgm:prSet presAssocID="{7F07EF18-A635-4ED0-A306-3090A8DC9F00}" presName="dstNode" presStyleLbl="node1" presStyleIdx="0" presStyleCnt="4"/>
       <dgm:spPr/>
     </dgm:pt>
     <dgm:pt modelId="{5E364556-BBAC-4AA0-94E7-5F6C7F72EAA7}" type="pres">
-      <dgm:prSet presAssocID="{EFF3EA4F-8DBB-4A96-B228-C9D64DB78BD6}" presName="text_1" presStyleLbl="node1" presStyleIdx="0" presStyleCnt="5">
+      <dgm:prSet presAssocID="{EFF3EA4F-8DBB-4A96-B228-C9D64DB78BD6}" presName="text_1" presStyleLbl="node1" presStyleIdx="0" presStyleCnt="4">
         <dgm:presLayoutVars>
           <dgm:bulletEnabled val="1"/>
         </dgm:presLayoutVars>
@@ -2539,87 +2505,69 @@
       <dgm:spPr/>
     </dgm:pt>
     <dgm:pt modelId="{13018F67-425A-408D-BE93-D34CFD5C2267}" type="pres">
-      <dgm:prSet presAssocID="{EFF3EA4F-8DBB-4A96-B228-C9D64DB78BD6}" presName="accentRepeatNode" presStyleLbl="solidFgAcc1" presStyleIdx="0" presStyleCnt="5"/>
+      <dgm:prSet presAssocID="{EFF3EA4F-8DBB-4A96-B228-C9D64DB78BD6}" presName="accentRepeatNode" presStyleLbl="solidFgAcc1" presStyleIdx="0" presStyleCnt="4"/>
       <dgm:spPr/>
     </dgm:pt>
-    <dgm:pt modelId="{02166649-5822-453A-BBCC-581C6F8AEF6F}" type="pres">
-      <dgm:prSet presAssocID="{6A5E05C7-FD6F-498D-B8FB-728768F0986E}" presName="text_2" presStyleLbl="node1" presStyleIdx="1" presStyleCnt="5">
+    <dgm:pt modelId="{6B480203-4979-4CA7-A37C-7C07F04E94F9}" type="pres">
+      <dgm:prSet presAssocID="{566E0615-D4A3-4FA2-936F-00B76B705420}" presName="text_2" presStyleLbl="node1" presStyleIdx="1" presStyleCnt="4">
         <dgm:presLayoutVars>
           <dgm:bulletEnabled val="1"/>
         </dgm:presLayoutVars>
       </dgm:prSet>
       <dgm:spPr/>
     </dgm:pt>
-    <dgm:pt modelId="{4D05D7E0-D757-4401-92B2-DA6A7510155C}" type="pres">
-      <dgm:prSet presAssocID="{6A5E05C7-FD6F-498D-B8FB-728768F0986E}" presName="accent_2" presStyleCnt="0"/>
+    <dgm:pt modelId="{8E1337E1-F4AE-486E-89F6-1AF272D91E4B}" type="pres">
+      <dgm:prSet presAssocID="{566E0615-D4A3-4FA2-936F-00B76B705420}" presName="accent_2" presStyleCnt="0"/>
       <dgm:spPr/>
     </dgm:pt>
-    <dgm:pt modelId="{56B3E4C0-F697-441D-8908-1129AF09AC32}" type="pres">
-      <dgm:prSet presAssocID="{6A5E05C7-FD6F-498D-B8FB-728768F0986E}" presName="accentRepeatNode" presStyleLbl="solidFgAcc1" presStyleIdx="1" presStyleCnt="5"/>
+    <dgm:pt modelId="{0CA0D8E3-7415-42F5-9E60-81E0ECDE0F0F}" type="pres">
+      <dgm:prSet presAssocID="{566E0615-D4A3-4FA2-936F-00B76B705420}" presName="accentRepeatNode" presStyleLbl="solidFgAcc1" presStyleIdx="1" presStyleCnt="4"/>
       <dgm:spPr/>
     </dgm:pt>
-    <dgm:pt modelId="{6DABBE97-BC90-4175-9295-A11F69A47E2D}" type="pres">
-      <dgm:prSet presAssocID="{566E0615-D4A3-4FA2-936F-00B76B705420}" presName="text_3" presStyleLbl="node1" presStyleIdx="2" presStyleCnt="5">
+    <dgm:pt modelId="{88720BCB-E79D-4324-A5F3-B237BD8BA3BB}" type="pres">
+      <dgm:prSet presAssocID="{75498262-7818-4B12-94CA-09E12B5EFD4E}" presName="text_3" presStyleLbl="node1" presStyleIdx="2" presStyleCnt="4">
         <dgm:presLayoutVars>
           <dgm:bulletEnabled val="1"/>
         </dgm:presLayoutVars>
       </dgm:prSet>
       <dgm:spPr/>
     </dgm:pt>
-    <dgm:pt modelId="{5A205310-4AA5-40F4-8081-CF7C1F024EE5}" type="pres">
-      <dgm:prSet presAssocID="{566E0615-D4A3-4FA2-936F-00B76B705420}" presName="accent_3" presStyleCnt="0"/>
+    <dgm:pt modelId="{C0241C3D-7C54-48FD-9D87-45BD4AED473F}" type="pres">
+      <dgm:prSet presAssocID="{75498262-7818-4B12-94CA-09E12B5EFD4E}" presName="accent_3" presStyleCnt="0"/>
       <dgm:spPr/>
     </dgm:pt>
-    <dgm:pt modelId="{0CA0D8E3-7415-42F5-9E60-81E0ECDE0F0F}" type="pres">
-      <dgm:prSet presAssocID="{566E0615-D4A3-4FA2-936F-00B76B705420}" presName="accentRepeatNode" presStyleLbl="solidFgAcc1" presStyleIdx="2" presStyleCnt="5"/>
+    <dgm:pt modelId="{5C2CBB11-9A47-425D-AB3C-DD13B5AA5255}" type="pres">
+      <dgm:prSet presAssocID="{75498262-7818-4B12-94CA-09E12B5EFD4E}" presName="accentRepeatNode" presStyleLbl="solidFgAcc1" presStyleIdx="2" presStyleCnt="4"/>
       <dgm:spPr/>
     </dgm:pt>
-    <dgm:pt modelId="{DBEEB601-4A40-46AA-BCE4-DCC852A433E8}" type="pres">
-      <dgm:prSet presAssocID="{75498262-7818-4B12-94CA-09E12B5EFD4E}" presName="text_4" presStyleLbl="node1" presStyleIdx="3" presStyleCnt="5">
+    <dgm:pt modelId="{7FB4500E-C7CE-433F-B672-2AEF1F972A15}" type="pres">
+      <dgm:prSet presAssocID="{C31816AE-F820-4601-876F-EFC57A16BB6B}" presName="text_4" presStyleLbl="node1" presStyleIdx="3" presStyleCnt="4">
         <dgm:presLayoutVars>
           <dgm:bulletEnabled val="1"/>
         </dgm:presLayoutVars>
       </dgm:prSet>
       <dgm:spPr/>
     </dgm:pt>
-    <dgm:pt modelId="{A27C33E3-EC68-47FE-A8E9-97608BE9963D}" type="pres">
-      <dgm:prSet presAssocID="{75498262-7818-4B12-94CA-09E12B5EFD4E}" presName="accent_4" presStyleCnt="0"/>
-      <dgm:spPr/>
-    </dgm:pt>
-    <dgm:pt modelId="{5C2CBB11-9A47-425D-AB3C-DD13B5AA5255}" type="pres">
-      <dgm:prSet presAssocID="{75498262-7818-4B12-94CA-09E12B5EFD4E}" presName="accentRepeatNode" presStyleLbl="solidFgAcc1" presStyleIdx="3" presStyleCnt="5"/>
-      <dgm:spPr/>
-    </dgm:pt>
-    <dgm:pt modelId="{620824B1-D5E1-4348-AE14-DE96FBA9A78F}" type="pres">
-      <dgm:prSet presAssocID="{C31816AE-F820-4601-876F-EFC57A16BB6B}" presName="text_5" presStyleLbl="node1" presStyleIdx="4" presStyleCnt="5">
-        <dgm:presLayoutVars>
-          <dgm:bulletEnabled val="1"/>
-        </dgm:presLayoutVars>
-      </dgm:prSet>
-      <dgm:spPr/>
-    </dgm:pt>
-    <dgm:pt modelId="{E199F3EA-A742-4CA9-B589-3F5633FBB935}" type="pres">
-      <dgm:prSet presAssocID="{C31816AE-F820-4601-876F-EFC57A16BB6B}" presName="accent_5" presStyleCnt="0"/>
+    <dgm:pt modelId="{7CC6C10B-7629-416E-99A1-593B95354346}" type="pres">
+      <dgm:prSet presAssocID="{C31816AE-F820-4601-876F-EFC57A16BB6B}" presName="accent_4" presStyleCnt="0"/>
       <dgm:spPr/>
     </dgm:pt>
     <dgm:pt modelId="{DBBFB1F2-64A6-405E-9422-031BEE539DDA}" type="pres">
-      <dgm:prSet presAssocID="{C31816AE-F820-4601-876F-EFC57A16BB6B}" presName="accentRepeatNode" presStyleLbl="solidFgAcc1" presStyleIdx="4" presStyleCnt="5"/>
+      <dgm:prSet presAssocID="{C31816AE-F820-4601-876F-EFC57A16BB6B}" presName="accentRepeatNode" presStyleLbl="solidFgAcc1" presStyleIdx="3" presStyleCnt="4"/>
       <dgm:spPr/>
     </dgm:pt>
   </dgm:ptLst>
   <dgm:cxnLst>
-    <dgm:cxn modelId="{FD01F006-4A75-40AE-B7F9-5B7050F4986A}" srcId="{7F07EF18-A635-4ED0-A306-3090A8DC9F00}" destId="{75498262-7818-4B12-94CA-09E12B5EFD4E}" srcOrd="3" destOrd="0" parTransId="{AC8ECA5D-5ADB-4528-8BD2-01001BBF7C09}" sibTransId="{97DE3DAD-30FA-4126-ADD2-C33F3DF4B751}"/>
-    <dgm:cxn modelId="{214B761B-CE9B-4040-92BF-D73BC5C73C49}" srcId="{7F07EF18-A635-4ED0-A306-3090A8DC9F00}" destId="{566E0615-D4A3-4FA2-936F-00B76B705420}" srcOrd="2" destOrd="0" parTransId="{AF654B56-C9B7-4EA5-8C1D-A43589309DE7}" sibTransId="{7873515D-EF35-4681-8192-1BE51BF52EFD}"/>
-    <dgm:cxn modelId="{63E6EF1C-5366-43E3-A9EB-8945AAA24807}" type="presOf" srcId="{C31816AE-F820-4601-876F-EFC57A16BB6B}" destId="{620824B1-D5E1-4348-AE14-DE96FBA9A78F}" srcOrd="0" destOrd="0" presId="urn:microsoft.com/office/officeart/2008/layout/VerticalCurvedList"/>
+    <dgm:cxn modelId="{FD01F006-4A75-40AE-B7F9-5B7050F4986A}" srcId="{7F07EF18-A635-4ED0-A306-3090A8DC9F00}" destId="{75498262-7818-4B12-94CA-09E12B5EFD4E}" srcOrd="2" destOrd="0" parTransId="{AC8ECA5D-5ADB-4528-8BD2-01001BBF7C09}" sibTransId="{97DE3DAD-30FA-4126-ADD2-C33F3DF4B751}"/>
+    <dgm:cxn modelId="{214B761B-CE9B-4040-92BF-D73BC5C73C49}" srcId="{7F07EF18-A635-4ED0-A306-3090A8DC9F00}" destId="{566E0615-D4A3-4FA2-936F-00B76B705420}" srcOrd="1" destOrd="0" parTransId="{AF654B56-C9B7-4EA5-8C1D-A43589309DE7}" sibTransId="{7873515D-EF35-4681-8192-1BE51BF52EFD}"/>
     <dgm:cxn modelId="{DF837261-0BB1-4A49-AD84-A1427990CF0C}" type="presOf" srcId="{5180AD65-9EB9-4998-A21D-6A87E5CE211D}" destId="{953FE5A7-9782-403D-A835-7BF02EA450E7}" srcOrd="0" destOrd="0" presId="urn:microsoft.com/office/officeart/2008/layout/VerticalCurvedList"/>
-    <dgm:cxn modelId="{C7216466-DCFA-466D-B42B-C74071AB1B2B}" srcId="{7F07EF18-A635-4ED0-A306-3090A8DC9F00}" destId="{6A5E05C7-FD6F-498D-B8FB-728768F0986E}" srcOrd="1" destOrd="0" parTransId="{FB31332E-2CFB-4BD6-A08D-03BE5F009C63}" sibTransId="{E3DD75E4-920E-4625-ADD3-80BEB20DC206}"/>
-    <dgm:cxn modelId="{238D0170-03C0-4D8E-B20D-72C03C38BAA7}" type="presOf" srcId="{566E0615-D4A3-4FA2-936F-00B76B705420}" destId="{6DABBE97-BC90-4175-9295-A11F69A47E2D}" srcOrd="0" destOrd="0" presId="urn:microsoft.com/office/officeart/2008/layout/VerticalCurvedList"/>
-    <dgm:cxn modelId="{C3D90B79-0F68-4E33-A10A-83F3B2CB1AC3}" type="presOf" srcId="{6A5E05C7-FD6F-498D-B8FB-728768F0986E}" destId="{02166649-5822-453A-BBCC-581C6F8AEF6F}" srcOrd="0" destOrd="0" presId="urn:microsoft.com/office/officeart/2008/layout/VerticalCurvedList"/>
     <dgm:cxn modelId="{F88FF58A-5689-4894-B347-1DD0EE51A243}" srcId="{7F07EF18-A635-4ED0-A306-3090A8DC9F00}" destId="{EFF3EA4F-8DBB-4A96-B228-C9D64DB78BD6}" srcOrd="0" destOrd="0" parTransId="{76175E57-E9FB-4002-99C5-D21D232065F4}" sibTransId="{5180AD65-9EB9-4998-A21D-6A87E5CE211D}"/>
     <dgm:cxn modelId="{9973F4A8-30AE-4BAD-AA0E-6F8FB2DC3205}" type="presOf" srcId="{EFF3EA4F-8DBB-4A96-B228-C9D64DB78BD6}" destId="{5E364556-BBAC-4AA0-94E7-5F6C7F72EAA7}" srcOrd="0" destOrd="0" presId="urn:microsoft.com/office/officeart/2008/layout/VerticalCurvedList"/>
-    <dgm:cxn modelId="{E81A02B0-E687-4DBE-8C6F-F849F04D47F8}" type="presOf" srcId="{75498262-7818-4B12-94CA-09E12B5EFD4E}" destId="{DBEEB601-4A40-46AA-BCE4-DCC852A433E8}" srcOrd="0" destOrd="0" presId="urn:microsoft.com/office/officeart/2008/layout/VerticalCurvedList"/>
     <dgm:cxn modelId="{9DCAB5C7-77D1-4CB8-8335-1DFCAF75433D}" type="presOf" srcId="{7F07EF18-A635-4ED0-A306-3090A8DC9F00}" destId="{727200E0-0EE8-48D9-8431-7D18907F2847}" srcOrd="0" destOrd="0" presId="urn:microsoft.com/office/officeart/2008/layout/VerticalCurvedList"/>
-    <dgm:cxn modelId="{585F06E8-0DC0-4FD4-B8DE-8CEA246EE2B7}" srcId="{7F07EF18-A635-4ED0-A306-3090A8DC9F00}" destId="{C31816AE-F820-4601-876F-EFC57A16BB6B}" srcOrd="4" destOrd="0" parTransId="{254D394B-C340-4F18-A43F-2D3D9C039F3F}" sibTransId="{91666D1D-105C-4CED-9301-BF9D2560AA7B}"/>
+    <dgm:cxn modelId="{691773C8-A508-4395-B56F-FFEE8BB3F6A8}" type="presOf" srcId="{C31816AE-F820-4601-876F-EFC57A16BB6B}" destId="{7FB4500E-C7CE-433F-B672-2AEF1F972A15}" srcOrd="0" destOrd="0" presId="urn:microsoft.com/office/officeart/2008/layout/VerticalCurvedList"/>
+    <dgm:cxn modelId="{0187CCDE-6C0A-4E17-B832-07FE5079969F}" type="presOf" srcId="{566E0615-D4A3-4FA2-936F-00B76B705420}" destId="{6B480203-4979-4CA7-A37C-7C07F04E94F9}" srcOrd="0" destOrd="0" presId="urn:microsoft.com/office/officeart/2008/layout/VerticalCurvedList"/>
+    <dgm:cxn modelId="{585F06E8-0DC0-4FD4-B8DE-8CEA246EE2B7}" srcId="{7F07EF18-A635-4ED0-A306-3090A8DC9F00}" destId="{C31816AE-F820-4601-876F-EFC57A16BB6B}" srcOrd="3" destOrd="0" parTransId="{254D394B-C340-4F18-A43F-2D3D9C039F3F}" sibTransId="{91666D1D-105C-4CED-9301-BF9D2560AA7B}"/>
+    <dgm:cxn modelId="{656B4FFD-B183-4FA7-9A8F-70A43A8258E5}" type="presOf" srcId="{75498262-7818-4B12-94CA-09E12B5EFD4E}" destId="{88720BCB-E79D-4324-A5F3-B237BD8BA3BB}" srcOrd="0" destOrd="0" presId="urn:microsoft.com/office/officeart/2008/layout/VerticalCurvedList"/>
     <dgm:cxn modelId="{888C6EEE-AE48-4F6D-B427-14CD0EB54B3A}" type="presParOf" srcId="{727200E0-0EE8-48D9-8431-7D18907F2847}" destId="{ECF63C13-82E6-49BC-861D-B14E30F5E875}" srcOrd="0" destOrd="0" presId="urn:microsoft.com/office/officeart/2008/layout/VerticalCurvedList"/>
     <dgm:cxn modelId="{A070F3DC-E905-4590-85D1-B8072398017F}" type="presParOf" srcId="{ECF63C13-82E6-49BC-861D-B14E30F5E875}" destId="{A85A977F-2A97-4110-B4BD-369E85F77E3D}" srcOrd="0" destOrd="0" presId="urn:microsoft.com/office/officeart/2008/layout/VerticalCurvedList"/>
     <dgm:cxn modelId="{4A20CD9E-B3F9-4A43-A4BC-3617B0D72EBB}" type="presParOf" srcId="{A85A977F-2A97-4110-B4BD-369E85F77E3D}" destId="{F28F468C-BD5D-4FF0-A7C2-B428458D76B8}" srcOrd="0" destOrd="0" presId="urn:microsoft.com/office/officeart/2008/layout/VerticalCurvedList"/>
@@ -2629,24 +2577,21 @@
     <dgm:cxn modelId="{AB24AFE6-172D-487A-9FA4-76A4857F3E94}" type="presParOf" srcId="{ECF63C13-82E6-49BC-861D-B14E30F5E875}" destId="{5E364556-BBAC-4AA0-94E7-5F6C7F72EAA7}" srcOrd="1" destOrd="0" presId="urn:microsoft.com/office/officeart/2008/layout/VerticalCurvedList"/>
     <dgm:cxn modelId="{84A04CC7-F1F2-47F0-91DF-02D210A1B7FD}" type="presParOf" srcId="{ECF63C13-82E6-49BC-861D-B14E30F5E875}" destId="{91EE8C4C-609A-4DD6-8EE7-D183F8FADEA9}" srcOrd="2" destOrd="0" presId="urn:microsoft.com/office/officeart/2008/layout/VerticalCurvedList"/>
     <dgm:cxn modelId="{2FBBB1F5-6389-49A9-9D89-4873191F7A56}" type="presParOf" srcId="{91EE8C4C-609A-4DD6-8EE7-D183F8FADEA9}" destId="{13018F67-425A-408D-BE93-D34CFD5C2267}" srcOrd="0" destOrd="0" presId="urn:microsoft.com/office/officeart/2008/layout/VerticalCurvedList"/>
-    <dgm:cxn modelId="{5273F17C-D7CF-41E9-ABEC-E8E976AAA26A}" type="presParOf" srcId="{ECF63C13-82E6-49BC-861D-B14E30F5E875}" destId="{02166649-5822-453A-BBCC-581C6F8AEF6F}" srcOrd="3" destOrd="0" presId="urn:microsoft.com/office/officeart/2008/layout/VerticalCurvedList"/>
-    <dgm:cxn modelId="{552F5794-A33B-4023-BB56-74716C215B90}" type="presParOf" srcId="{ECF63C13-82E6-49BC-861D-B14E30F5E875}" destId="{4D05D7E0-D757-4401-92B2-DA6A7510155C}" srcOrd="4" destOrd="0" presId="urn:microsoft.com/office/officeart/2008/layout/VerticalCurvedList"/>
-    <dgm:cxn modelId="{A15E44F0-6A03-497D-A692-8B52A0E16B8A}" type="presParOf" srcId="{4D05D7E0-D757-4401-92B2-DA6A7510155C}" destId="{56B3E4C0-F697-441D-8908-1129AF09AC32}" srcOrd="0" destOrd="0" presId="urn:microsoft.com/office/officeart/2008/layout/VerticalCurvedList"/>
-    <dgm:cxn modelId="{1EF6FA60-2BC2-4E8D-B0C9-E906D5824042}" type="presParOf" srcId="{ECF63C13-82E6-49BC-861D-B14E30F5E875}" destId="{6DABBE97-BC90-4175-9295-A11F69A47E2D}" srcOrd="5" destOrd="0" presId="urn:microsoft.com/office/officeart/2008/layout/VerticalCurvedList"/>
-    <dgm:cxn modelId="{0531FF11-4B43-4B69-ACAB-ACD7C67E5E8D}" type="presParOf" srcId="{ECF63C13-82E6-49BC-861D-B14E30F5E875}" destId="{5A205310-4AA5-40F4-8081-CF7C1F024EE5}" srcOrd="6" destOrd="0" presId="urn:microsoft.com/office/officeart/2008/layout/VerticalCurvedList"/>
-    <dgm:cxn modelId="{E14CFE6D-6339-4744-BD62-11D412FA5A5F}" type="presParOf" srcId="{5A205310-4AA5-40F4-8081-CF7C1F024EE5}" destId="{0CA0D8E3-7415-42F5-9E60-81E0ECDE0F0F}" srcOrd="0" destOrd="0" presId="urn:microsoft.com/office/officeart/2008/layout/VerticalCurvedList"/>
-    <dgm:cxn modelId="{FC64D3B6-C640-40D8-8823-FFD3EB65F952}" type="presParOf" srcId="{ECF63C13-82E6-49BC-861D-B14E30F5E875}" destId="{DBEEB601-4A40-46AA-BCE4-DCC852A433E8}" srcOrd="7" destOrd="0" presId="urn:microsoft.com/office/officeart/2008/layout/VerticalCurvedList"/>
-    <dgm:cxn modelId="{735FFE59-496B-4348-851E-A1A48874EA1A}" type="presParOf" srcId="{ECF63C13-82E6-49BC-861D-B14E30F5E875}" destId="{A27C33E3-EC68-47FE-A8E9-97608BE9963D}" srcOrd="8" destOrd="0" presId="urn:microsoft.com/office/officeart/2008/layout/VerticalCurvedList"/>
-    <dgm:cxn modelId="{6C34175A-5C65-42BB-81AA-48971C89273A}" type="presParOf" srcId="{A27C33E3-EC68-47FE-A8E9-97608BE9963D}" destId="{5C2CBB11-9A47-425D-AB3C-DD13B5AA5255}" srcOrd="0" destOrd="0" presId="urn:microsoft.com/office/officeart/2008/layout/VerticalCurvedList"/>
-    <dgm:cxn modelId="{59F7F217-A95D-47DF-8FFD-6DA4C67CA7AE}" type="presParOf" srcId="{ECF63C13-82E6-49BC-861D-B14E30F5E875}" destId="{620824B1-D5E1-4348-AE14-DE96FBA9A78F}" srcOrd="9" destOrd="0" presId="urn:microsoft.com/office/officeart/2008/layout/VerticalCurvedList"/>
-    <dgm:cxn modelId="{6FFE137D-8F4D-492D-99E9-942C5E1E573D}" type="presParOf" srcId="{ECF63C13-82E6-49BC-861D-B14E30F5E875}" destId="{E199F3EA-A742-4CA9-B589-3F5633FBB935}" srcOrd="10" destOrd="0" presId="urn:microsoft.com/office/officeart/2008/layout/VerticalCurvedList"/>
-    <dgm:cxn modelId="{096FB0D2-AB26-4173-B2DA-B653C60A2546}" type="presParOf" srcId="{E199F3EA-A742-4CA9-B589-3F5633FBB935}" destId="{DBBFB1F2-64A6-405E-9422-031BEE539DDA}" srcOrd="0" destOrd="0" presId="urn:microsoft.com/office/officeart/2008/layout/VerticalCurvedList"/>
+    <dgm:cxn modelId="{6032E528-2822-48F7-BD44-AFEC6E7F07B8}" type="presParOf" srcId="{ECF63C13-82E6-49BC-861D-B14E30F5E875}" destId="{6B480203-4979-4CA7-A37C-7C07F04E94F9}" srcOrd="3" destOrd="0" presId="urn:microsoft.com/office/officeart/2008/layout/VerticalCurvedList"/>
+    <dgm:cxn modelId="{42464A1E-21FD-41B5-B1D3-E6EBBE60AF37}" type="presParOf" srcId="{ECF63C13-82E6-49BC-861D-B14E30F5E875}" destId="{8E1337E1-F4AE-486E-89F6-1AF272D91E4B}" srcOrd="4" destOrd="0" presId="urn:microsoft.com/office/officeart/2008/layout/VerticalCurvedList"/>
+    <dgm:cxn modelId="{83978C3A-707E-462D-8549-AC479B55AC45}" type="presParOf" srcId="{8E1337E1-F4AE-486E-89F6-1AF272D91E4B}" destId="{0CA0D8E3-7415-42F5-9E60-81E0ECDE0F0F}" srcOrd="0" destOrd="0" presId="urn:microsoft.com/office/officeart/2008/layout/VerticalCurvedList"/>
+    <dgm:cxn modelId="{63C1FC6E-2AC5-484F-A909-6B9FBC7140A3}" type="presParOf" srcId="{ECF63C13-82E6-49BC-861D-B14E30F5E875}" destId="{88720BCB-E79D-4324-A5F3-B237BD8BA3BB}" srcOrd="5" destOrd="0" presId="urn:microsoft.com/office/officeart/2008/layout/VerticalCurvedList"/>
+    <dgm:cxn modelId="{3D907646-C505-41DE-8AE0-0DCC1F74B05E}" type="presParOf" srcId="{ECF63C13-82E6-49BC-861D-B14E30F5E875}" destId="{C0241C3D-7C54-48FD-9D87-45BD4AED473F}" srcOrd="6" destOrd="0" presId="urn:microsoft.com/office/officeart/2008/layout/VerticalCurvedList"/>
+    <dgm:cxn modelId="{24FE0705-F48F-42C0-A966-DDFCAD8A5C85}" type="presParOf" srcId="{C0241C3D-7C54-48FD-9D87-45BD4AED473F}" destId="{5C2CBB11-9A47-425D-AB3C-DD13B5AA5255}" srcOrd="0" destOrd="0" presId="urn:microsoft.com/office/officeart/2008/layout/VerticalCurvedList"/>
+    <dgm:cxn modelId="{A03A6247-93D2-4080-BEC3-2144464EBF46}" type="presParOf" srcId="{ECF63C13-82E6-49BC-861D-B14E30F5E875}" destId="{7FB4500E-C7CE-433F-B672-2AEF1F972A15}" srcOrd="7" destOrd="0" presId="urn:microsoft.com/office/officeart/2008/layout/VerticalCurvedList"/>
+    <dgm:cxn modelId="{FCDB3C8D-A78F-466B-8688-6F89354414A5}" type="presParOf" srcId="{ECF63C13-82E6-49BC-861D-B14E30F5E875}" destId="{7CC6C10B-7629-416E-99A1-593B95354346}" srcOrd="8" destOrd="0" presId="urn:microsoft.com/office/officeart/2008/layout/VerticalCurvedList"/>
+    <dgm:cxn modelId="{27A0190B-F67C-44E4-8B02-35728D3319A2}" type="presParOf" srcId="{7CC6C10B-7629-416E-99A1-593B95354346}" destId="{DBBFB1F2-64A6-405E-9422-031BEE539DDA}" srcOrd="0" destOrd="0" presId="urn:microsoft.com/office/officeart/2008/layout/VerticalCurvedList"/>
   </dgm:cxnLst>
   <dgm:bg/>
   <dgm:whole/>
   <dgm:extLst>
     <a:ext uri="http://schemas.microsoft.com/office/drawing/2008/diagram">
-      <dsp:dataModelExt xmlns:dsp="http://schemas.microsoft.com/office/drawing/2008/diagram" relId="rId6" minVer="http://schemas.openxmlformats.org/drawingml/2006/diagram"/>
+      <dsp:dataModelExt xmlns:dsp="http://schemas.microsoft.com/office/drawing/2008/diagram" relId="rId7" minVer="http://schemas.openxmlformats.org/drawingml/2006/diagram"/>
     </a:ext>
   </dgm:extLst>
 </dgm:dataModel>
@@ -2805,9 +2750,10 @@
             <a:buNone/>
           </a:pPr>
           <a:r>
-            <a:rPr lang="en-US" sz="2000" kern="1200" dirty="0"/>
-            <a:t>No handler</a:t>
+            <a:rPr lang="en-US" sz="2000" kern="1200"/>
+            <a:t>ByPass</a:t>
           </a:r>
+          <a:endParaRPr lang="en-US" sz="2000" kern="1200" dirty="0"/>
         </a:p>
       </dsp:txBody>
       <dsp:txXfrm>
@@ -3398,8 +3344,8 @@
       </dsp:nvSpPr>
       <dsp:spPr>
         <a:xfrm>
-          <a:off x="411090" y="271871"/>
-          <a:ext cx="10044785" cy="544091"/>
+          <a:off x="492024" y="334530"/>
+          <a:ext cx="9963850" cy="669409"/>
         </a:xfrm>
         <a:prstGeom prst="rect">
           <a:avLst/>
@@ -3441,12 +3387,12 @@
         </a:fontRef>
       </dsp:style>
       <dsp:txBody>
-        <a:bodyPr spcFirstLastPara="0" vert="horz" wrap="square" lIns="431872" tIns="71120" rIns="71120" bIns="71120" numCol="1" spcCol="1270" anchor="ctr" anchorCtr="0">
+        <a:bodyPr spcFirstLastPara="0" vert="horz" wrap="square" lIns="531344" tIns="73660" rIns="73660" bIns="73660" numCol="1" spcCol="1270" anchor="ctr" anchorCtr="0">
           <a:noAutofit/>
         </a:bodyPr>
         <a:lstStyle/>
         <a:p>
-          <a:pPr marL="0" lvl="0" indent="0" algn="l" defTabSz="1244600">
+          <a:pPr marL="0" lvl="0" indent="0" algn="l" defTabSz="1289050">
             <a:lnSpc>
               <a:spcPct val="90000"/>
             </a:lnSpc>
@@ -3459,14 +3405,14 @@
             <a:buNone/>
           </a:pPr>
           <a:r>
-            <a:rPr lang="en-US" sz="2800" kern="1200"/>
-            <a:t>Bypass output handling</a:t>
+            <a:rPr lang="en-US" sz="2900" kern="1200" dirty="0"/>
+            <a:t>Handle error output</a:t>
           </a:r>
         </a:p>
       </dsp:txBody>
       <dsp:txXfrm>
-        <a:off x="411090" y="271871"/>
-        <a:ext cx="10044785" cy="544091"/>
+        <a:off x="492024" y="334530"/>
+        <a:ext cx="9963850" cy="669409"/>
       </dsp:txXfrm>
     </dsp:sp>
     <dsp:sp modelId="{13018F67-425A-408D-BE93-D34CFD5C2267}">
@@ -3476,8 +3422,8 @@
       </dsp:nvSpPr>
       <dsp:spPr>
         <a:xfrm>
-          <a:off x="71032" y="203860"/>
-          <a:ext cx="680114" cy="680114"/>
+          <a:off x="73643" y="250854"/>
+          <a:ext cx="836762" cy="836762"/>
         </a:xfrm>
         <a:prstGeom prst="ellipse">
           <a:avLst/>
@@ -3517,24 +3463,24 @@
         <a:fontRef idx="minor"/>
       </dsp:style>
     </dsp:sp>
-    <dsp:sp modelId="{02166649-5822-453A-BBCC-581C6F8AEF6F}">
+    <dsp:sp modelId="{6B480203-4979-4CA7-A37C-7C07F04E94F9}">
       <dsp:nvSpPr>
         <dsp:cNvPr id="0" name=""/>
         <dsp:cNvSpPr/>
       </dsp:nvSpPr>
       <dsp:spPr>
         <a:xfrm>
-          <a:off x="800969" y="1087747"/>
-          <a:ext cx="9654905" cy="544091"/>
+          <a:off x="875812" y="1338819"/>
+          <a:ext cx="9580062" cy="669409"/>
         </a:xfrm>
         <a:prstGeom prst="rect">
           <a:avLst/>
         </a:prstGeom>
         <a:solidFill>
           <a:schemeClr val="accent3">
-            <a:hueOff val="1029291"/>
-            <a:satOff val="6178"/>
-            <a:lumOff val="4706"/>
+            <a:hueOff val="1372388"/>
+            <a:satOff val="8237"/>
+            <a:lumOff val="6275"/>
             <a:alphaOff val="0"/>
           </a:schemeClr>
         </a:solidFill>
@@ -3567,12 +3513,12 @@
         </a:fontRef>
       </dsp:style>
       <dsp:txBody>
-        <a:bodyPr spcFirstLastPara="0" vert="horz" wrap="square" lIns="431872" tIns="71120" rIns="71120" bIns="71120" numCol="1" spcCol="1270" anchor="ctr" anchorCtr="0">
+        <a:bodyPr spcFirstLastPara="0" vert="horz" wrap="square" lIns="531344" tIns="73660" rIns="73660" bIns="73660" numCol="1" spcCol="1270" anchor="ctr" anchorCtr="0">
           <a:noAutofit/>
         </a:bodyPr>
         <a:lstStyle/>
         <a:p>
-          <a:pPr marL="0" lvl="0" indent="0" algn="l" defTabSz="1244600">
+          <a:pPr marL="0" lvl="0" indent="0" algn="l" defTabSz="1289050">
             <a:lnSpc>
               <a:spcPct val="90000"/>
             </a:lnSpc>
@@ -3585,25 +3531,25 @@
             <a:buNone/>
           </a:pPr>
           <a:r>
-            <a:rPr lang="en-US" sz="2800" kern="1200"/>
-            <a:t>Handle error output</a:t>
+            <a:rPr lang="en-US" sz="2900" kern="1200"/>
+            <a:t>Transform argument values</a:t>
           </a:r>
         </a:p>
       </dsp:txBody>
       <dsp:txXfrm>
-        <a:off x="800969" y="1087747"/>
-        <a:ext cx="9654905" cy="544091"/>
+        <a:off x="875812" y="1338819"/>
+        <a:ext cx="9580062" cy="669409"/>
       </dsp:txXfrm>
     </dsp:sp>
-    <dsp:sp modelId="{56B3E4C0-F697-441D-8908-1129AF09AC32}">
+    <dsp:sp modelId="{0CA0D8E3-7415-42F5-9E60-81E0ECDE0F0F}">
       <dsp:nvSpPr>
         <dsp:cNvPr id="0" name=""/>
         <dsp:cNvSpPr/>
       </dsp:nvSpPr>
       <dsp:spPr>
         <a:xfrm>
-          <a:off x="460912" y="1019736"/>
-          <a:ext cx="680114" cy="680114"/>
+          <a:off x="457431" y="1255143"/>
+          <a:ext cx="836762" cy="836762"/>
         </a:xfrm>
         <a:prstGeom prst="ellipse">
           <a:avLst/>
@@ -3619,9 +3565,9 @@
         <a:ln w="19050" cap="flat" cmpd="sng" algn="ctr">
           <a:solidFill>
             <a:schemeClr val="accent3">
-              <a:hueOff val="1029291"/>
-              <a:satOff val="6178"/>
-              <a:lumOff val="4706"/>
+              <a:hueOff val="1372388"/>
+              <a:satOff val="8237"/>
+              <a:lumOff val="6275"/>
               <a:alphaOff val="0"/>
             </a:schemeClr>
           </a:solidFill>
@@ -3643,24 +3589,24 @@
         <a:fontRef idx="minor"/>
       </dsp:style>
     </dsp:sp>
-    <dsp:sp modelId="{6DABBE97-BC90-4175-9295-A11F69A47E2D}">
+    <dsp:sp modelId="{88720BCB-E79D-4324-A5F3-B237BD8BA3BB}">
       <dsp:nvSpPr>
         <dsp:cNvPr id="0" name=""/>
         <dsp:cNvSpPr/>
       </dsp:nvSpPr>
       <dsp:spPr>
         <a:xfrm>
-          <a:off x="920631" y="1903623"/>
-          <a:ext cx="9535243" cy="544091"/>
+          <a:off x="875812" y="2343108"/>
+          <a:ext cx="9580062" cy="669409"/>
         </a:xfrm>
         <a:prstGeom prst="rect">
           <a:avLst/>
         </a:prstGeom>
         <a:solidFill>
           <a:schemeClr val="accent3">
-            <a:hueOff val="2058582"/>
-            <a:satOff val="12356"/>
-            <a:lumOff val="9413"/>
+            <a:hueOff val="2744775"/>
+            <a:satOff val="16475"/>
+            <a:lumOff val="12550"/>
             <a:alphaOff val="0"/>
           </a:schemeClr>
         </a:solidFill>
@@ -3693,12 +3639,12 @@
         </a:fontRef>
       </dsp:style>
       <dsp:txBody>
-        <a:bodyPr spcFirstLastPara="0" vert="horz" wrap="square" lIns="431872" tIns="71120" rIns="71120" bIns="71120" numCol="1" spcCol="1270" anchor="ctr" anchorCtr="0">
+        <a:bodyPr spcFirstLastPara="0" vert="horz" wrap="square" lIns="531344" tIns="73660" rIns="73660" bIns="73660" numCol="1" spcCol="1270" anchor="ctr" anchorCtr="0">
           <a:noAutofit/>
         </a:bodyPr>
         <a:lstStyle/>
         <a:p>
-          <a:pPr marL="0" lvl="0" indent="0" algn="l" defTabSz="1244600">
+          <a:pPr marL="0" lvl="0" indent="0" algn="l" defTabSz="1289050">
             <a:lnSpc>
               <a:spcPct val="90000"/>
             </a:lnSpc>
@@ -3711,25 +3657,25 @@
             <a:buNone/>
           </a:pPr>
           <a:r>
-            <a:rPr lang="en-US" sz="2800" kern="1200"/>
-            <a:t>Transform argument values</a:t>
+            <a:rPr lang="en-US" sz="2900" kern="1200"/>
+            <a:t>Create parameters not mapped to the native command</a:t>
           </a:r>
         </a:p>
       </dsp:txBody>
       <dsp:txXfrm>
-        <a:off x="920631" y="1903623"/>
-        <a:ext cx="9535243" cy="544091"/>
+        <a:off x="875812" y="2343108"/>
+        <a:ext cx="9580062" cy="669409"/>
       </dsp:txXfrm>
     </dsp:sp>
-    <dsp:sp modelId="{0CA0D8E3-7415-42F5-9E60-81E0ECDE0F0F}">
+    <dsp:sp modelId="{5C2CBB11-9A47-425D-AB3C-DD13B5AA5255}">
       <dsp:nvSpPr>
         <dsp:cNvPr id="0" name=""/>
         <dsp:cNvSpPr/>
       </dsp:nvSpPr>
       <dsp:spPr>
         <a:xfrm>
-          <a:off x="580574" y="1835611"/>
-          <a:ext cx="680114" cy="680114"/>
+          <a:off x="457431" y="2259432"/>
+          <a:ext cx="836762" cy="836762"/>
         </a:xfrm>
         <a:prstGeom prst="ellipse">
           <a:avLst/>
@@ -3745,9 +3691,9 @@
         <a:ln w="19050" cap="flat" cmpd="sng" algn="ctr">
           <a:solidFill>
             <a:schemeClr val="accent3">
-              <a:hueOff val="2058582"/>
-              <a:satOff val="12356"/>
-              <a:lumOff val="9413"/>
+              <a:hueOff val="2744775"/>
+              <a:satOff val="16475"/>
+              <a:lumOff val="12550"/>
               <a:alphaOff val="0"/>
             </a:schemeClr>
           </a:solidFill>
@@ -3769,141 +3715,15 @@
         <a:fontRef idx="minor"/>
       </dsp:style>
     </dsp:sp>
-    <dsp:sp modelId="{DBEEB601-4A40-46AA-BCE4-DCC852A433E8}">
+    <dsp:sp modelId="{7FB4500E-C7CE-433F-B672-2AEF1F972A15}">
       <dsp:nvSpPr>
         <dsp:cNvPr id="0" name=""/>
         <dsp:cNvSpPr/>
       </dsp:nvSpPr>
       <dsp:spPr>
         <a:xfrm>
-          <a:off x="800969" y="2719499"/>
-          <a:ext cx="9654905" cy="544091"/>
-        </a:xfrm>
-        <a:prstGeom prst="rect">
-          <a:avLst/>
-        </a:prstGeom>
-        <a:solidFill>
-          <a:schemeClr val="accent3">
-            <a:hueOff val="3087872"/>
-            <a:satOff val="18534"/>
-            <a:lumOff val="14119"/>
-            <a:alphaOff val="0"/>
-          </a:schemeClr>
-        </a:solidFill>
-        <a:ln w="19050" cap="flat" cmpd="sng" algn="ctr">
-          <a:solidFill>
-            <a:schemeClr val="lt1">
-              <a:hueOff val="0"/>
-              <a:satOff val="0"/>
-              <a:lumOff val="0"/>
-              <a:alphaOff val="0"/>
-            </a:schemeClr>
-          </a:solidFill>
-          <a:prstDash val="solid"/>
-          <a:miter lim="800000"/>
-        </a:ln>
-        <a:effectLst/>
-      </dsp:spPr>
-      <dsp:style>
-        <a:lnRef idx="2">
-          <a:scrgbClr r="0" g="0" b="0"/>
-        </a:lnRef>
-        <a:fillRef idx="1">
-          <a:scrgbClr r="0" g="0" b="0"/>
-        </a:fillRef>
-        <a:effectRef idx="0">
-          <a:scrgbClr r="0" g="0" b="0"/>
-        </a:effectRef>
-        <a:fontRef idx="minor">
-          <a:schemeClr val="lt1"/>
-        </a:fontRef>
-      </dsp:style>
-      <dsp:txBody>
-        <a:bodyPr spcFirstLastPara="0" vert="horz" wrap="square" lIns="431872" tIns="71120" rIns="71120" bIns="71120" numCol="1" spcCol="1270" anchor="ctr" anchorCtr="0">
-          <a:noAutofit/>
-        </a:bodyPr>
-        <a:lstStyle/>
-        <a:p>
-          <a:pPr marL="0" lvl="0" indent="0" algn="l" defTabSz="1244600">
-            <a:lnSpc>
-              <a:spcPct val="90000"/>
-            </a:lnSpc>
-            <a:spcBef>
-              <a:spcPct val="0"/>
-            </a:spcBef>
-            <a:spcAft>
-              <a:spcPct val="35000"/>
-            </a:spcAft>
-            <a:buNone/>
-          </a:pPr>
-          <a:r>
-            <a:rPr lang="en-US" sz="2800" kern="1200"/>
-            <a:t>Create parameters not mapped to the native command</a:t>
-          </a:r>
-        </a:p>
-      </dsp:txBody>
-      <dsp:txXfrm>
-        <a:off x="800969" y="2719499"/>
-        <a:ext cx="9654905" cy="544091"/>
-      </dsp:txXfrm>
-    </dsp:sp>
-    <dsp:sp modelId="{5C2CBB11-9A47-425D-AB3C-DD13B5AA5255}">
-      <dsp:nvSpPr>
-        <dsp:cNvPr id="0" name=""/>
-        <dsp:cNvSpPr/>
-      </dsp:nvSpPr>
-      <dsp:spPr>
-        <a:xfrm>
-          <a:off x="460912" y="2651487"/>
-          <a:ext cx="680114" cy="680114"/>
-        </a:xfrm>
-        <a:prstGeom prst="ellipse">
-          <a:avLst/>
-        </a:prstGeom>
-        <a:solidFill>
-          <a:schemeClr val="lt1">
-            <a:hueOff val="0"/>
-            <a:satOff val="0"/>
-            <a:lumOff val="0"/>
-            <a:alphaOff val="0"/>
-          </a:schemeClr>
-        </a:solidFill>
-        <a:ln w="19050" cap="flat" cmpd="sng" algn="ctr">
-          <a:solidFill>
-            <a:schemeClr val="accent3">
-              <a:hueOff val="3087872"/>
-              <a:satOff val="18534"/>
-              <a:lumOff val="14119"/>
-              <a:alphaOff val="0"/>
-            </a:schemeClr>
-          </a:solidFill>
-          <a:prstDash val="solid"/>
-          <a:miter lim="800000"/>
-        </a:ln>
-        <a:effectLst/>
-      </dsp:spPr>
-      <dsp:style>
-        <a:lnRef idx="2">
-          <a:scrgbClr r="0" g="0" b="0"/>
-        </a:lnRef>
-        <a:fillRef idx="1">
-          <a:scrgbClr r="0" g="0" b="0"/>
-        </a:fillRef>
-        <a:effectRef idx="0">
-          <a:scrgbClr r="0" g="0" b="0"/>
-        </a:effectRef>
-        <a:fontRef idx="minor"/>
-      </dsp:style>
-    </dsp:sp>
-    <dsp:sp modelId="{620824B1-D5E1-4348-AE14-DE96FBA9A78F}">
-      <dsp:nvSpPr>
-        <dsp:cNvPr id="0" name=""/>
-        <dsp:cNvSpPr/>
-      </dsp:nvSpPr>
-      <dsp:spPr>
-        <a:xfrm>
-          <a:off x="411090" y="3535375"/>
-          <a:ext cx="10044785" cy="544091"/>
+          <a:off x="492024" y="3347397"/>
+          <a:ext cx="9963850" cy="669409"/>
         </a:xfrm>
         <a:prstGeom prst="rect">
           <a:avLst/>
@@ -3945,12 +3765,12 @@
         </a:fontRef>
       </dsp:style>
       <dsp:txBody>
-        <a:bodyPr spcFirstLastPara="0" vert="horz" wrap="square" lIns="431872" tIns="71120" rIns="71120" bIns="71120" numCol="1" spcCol="1270" anchor="ctr" anchorCtr="0">
+        <a:bodyPr spcFirstLastPara="0" vert="horz" wrap="square" lIns="531344" tIns="73660" rIns="73660" bIns="73660" numCol="1" spcCol="1270" anchor="ctr" anchorCtr="0">
           <a:noAutofit/>
         </a:bodyPr>
         <a:lstStyle/>
         <a:p>
-          <a:pPr marL="0" lvl="0" indent="0" algn="l" defTabSz="1244600">
+          <a:pPr marL="0" lvl="0" indent="0" algn="l" defTabSz="1289050">
             <a:lnSpc>
               <a:spcPct val="90000"/>
             </a:lnSpc>
@@ -3963,14 +3783,14 @@
             <a:buNone/>
           </a:pPr>
           <a:r>
-            <a:rPr lang="en-US" sz="2800" kern="1200"/>
+            <a:rPr lang="en-US" sz="2900" kern="1200"/>
             <a:t>Support elevation</a:t>
           </a:r>
         </a:p>
       </dsp:txBody>
       <dsp:txXfrm>
-        <a:off x="411090" y="3535375"/>
-        <a:ext cx="10044785" cy="544091"/>
+        <a:off x="492024" y="3347397"/>
+        <a:ext cx="9963850" cy="669409"/>
       </dsp:txXfrm>
     </dsp:sp>
     <dsp:sp modelId="{DBBFB1F2-64A6-405E-9422-031BEE539DDA}">
@@ -3980,8 +3800,8 @@
       </dsp:nvSpPr>
       <dsp:spPr>
         <a:xfrm>
-          <a:off x="71032" y="3467363"/>
-          <a:ext cx="680114" cy="680114"/>
+          <a:off x="73643" y="3263721"/>
+          <a:ext cx="836762" cy="836762"/>
         </a:xfrm>
         <a:prstGeom prst="ellipse">
           <a:avLst/>
@@ -7678,7 +7498,7 @@
           <a:p>
             <a:fld id="{C52CA404-BA5F-4263-A878-03452F5C7821}" type="datetimeFigureOut">
               <a:rPr lang="en-US" smtClean="0"/>
-              <a:t>9/25/2024</a:t>
+              <a:t>9/27/2024</a:t>
             </a:fld>
             <a:endParaRPr lang="en-US"/>
           </a:p>
@@ -7991,15 +7811,7 @@
           <a:p>
             <a:r>
               <a:rPr lang="en-US" dirty="0"/>
-              <a:t>Don’t edit the generated module – update the </a:t>
-            </a:r>
-            <a:r>
-              <a:rPr lang="en-US"/>
-              <a:t>config and rebuild </a:t>
-            </a:r>
-            <a:r>
-              <a:rPr lang="en-US" dirty="0"/>
-              <a:t>it instead</a:t>
+              <a:t>Don’t edit the generated module – update the config and rebuild it instead</a:t>
             </a:r>
           </a:p>
         </p:txBody>
@@ -8031,6 +7843,174 @@
     <p:extLst>
       <p:ext uri="{BB962C8B-B14F-4D97-AF65-F5344CB8AC3E}">
         <p14:creationId xmlns:p14="http://schemas.microsoft.com/office/powerpoint/2010/main" val="2377661064"/>
+      </p:ext>
+    </p:extLst>
+  </p:cSld>
+  <p:clrMapOvr>
+    <a:masterClrMapping/>
+  </p:clrMapOvr>
+</p:notes>
+</file>
+
+<file path=ppt/notesSlides/notesSlide2.xml><?xml version="1.0" encoding="utf-8"?>
+<p:notes xmlns:a="http://schemas.openxmlformats.org/drawingml/2006/main" xmlns:r="http://schemas.openxmlformats.org/officeDocument/2006/relationships" xmlns:p="http://schemas.openxmlformats.org/presentationml/2006/main">
+  <p:cSld>
+    <p:spTree>
+      <p:nvGrpSpPr>
+        <p:cNvPr id="1" name=""/>
+        <p:cNvGrpSpPr/>
+        <p:nvPr/>
+      </p:nvGrpSpPr>
+      <p:grpSpPr>
+        <a:xfrm>
+          <a:off x="0" y="0"/>
+          <a:ext cx="0" cy="0"/>
+          <a:chOff x="0" y="0"/>
+          <a:chExt cx="0" cy="0"/>
+        </a:xfrm>
+      </p:grpSpPr>
+      <p:sp>
+        <p:nvSpPr>
+          <p:cNvPr id="2" name="Slide Image Placeholder 1"/>
+          <p:cNvSpPr>
+            <a:spLocks noGrp="1" noRot="1" noChangeAspect="1"/>
+          </p:cNvSpPr>
+          <p:nvPr>
+            <p:ph type="sldImg"/>
+          </p:nvPr>
+        </p:nvSpPr>
+        <p:spPr/>
+      </p:sp>
+      <p:sp>
+        <p:nvSpPr>
+          <p:cNvPr id="3" name="Notes Placeholder 2"/>
+          <p:cNvSpPr>
+            <a:spLocks noGrp="1"/>
+          </p:cNvSpPr>
+          <p:nvPr>
+            <p:ph type="body" idx="1"/>
+          </p:nvPr>
+        </p:nvSpPr>
+        <p:spPr/>
+        <p:txBody>
+          <a:bodyPr/>
+          <a:lstStyle/>
+          <a:p>
+            <a:endParaRPr lang="en-US" dirty="0"/>
+          </a:p>
+        </p:txBody>
+      </p:sp>
+      <p:sp>
+        <p:nvSpPr>
+          <p:cNvPr id="4" name="Slide Number Placeholder 3"/>
+          <p:cNvSpPr>
+            <a:spLocks noGrp="1"/>
+          </p:cNvSpPr>
+          <p:nvPr>
+            <p:ph type="sldNum" sz="quarter" idx="5"/>
+          </p:nvPr>
+        </p:nvSpPr>
+        <p:spPr/>
+        <p:txBody>
+          <a:bodyPr/>
+          <a:lstStyle/>
+          <a:p>
+            <a:fld id="{087148C5-844F-4B24-AF5D-AE4A32FED565}" type="slidenum">
+              <a:rPr lang="en-US" smtClean="0"/>
+              <a:t>9</a:t>
+            </a:fld>
+            <a:endParaRPr lang="en-US"/>
+          </a:p>
+        </p:txBody>
+      </p:sp>
+    </p:spTree>
+    <p:extLst>
+      <p:ext uri="{BB962C8B-B14F-4D97-AF65-F5344CB8AC3E}">
+        <p14:creationId xmlns:p14="http://schemas.microsoft.com/office/powerpoint/2010/main" val="1044353781"/>
+      </p:ext>
+    </p:extLst>
+  </p:cSld>
+  <p:clrMapOvr>
+    <a:masterClrMapping/>
+  </p:clrMapOvr>
+</p:notes>
+</file>
+
+<file path=ppt/notesSlides/notesSlide3.xml><?xml version="1.0" encoding="utf-8"?>
+<p:notes xmlns:a="http://schemas.openxmlformats.org/drawingml/2006/main" xmlns:r="http://schemas.openxmlformats.org/officeDocument/2006/relationships" xmlns:p="http://schemas.openxmlformats.org/presentationml/2006/main">
+  <p:cSld>
+    <p:spTree>
+      <p:nvGrpSpPr>
+        <p:cNvPr id="1" name=""/>
+        <p:cNvGrpSpPr/>
+        <p:nvPr/>
+      </p:nvGrpSpPr>
+      <p:grpSpPr>
+        <a:xfrm>
+          <a:off x="0" y="0"/>
+          <a:ext cx="0" cy="0"/>
+          <a:chOff x="0" y="0"/>
+          <a:chExt cx="0" cy="0"/>
+        </a:xfrm>
+      </p:grpSpPr>
+      <p:sp>
+        <p:nvSpPr>
+          <p:cNvPr id="2" name="Slide Image Placeholder 1"/>
+          <p:cNvSpPr>
+            <a:spLocks noGrp="1" noRot="1" noChangeAspect="1"/>
+          </p:cNvSpPr>
+          <p:nvPr>
+            <p:ph type="sldImg"/>
+          </p:nvPr>
+        </p:nvSpPr>
+        <p:spPr/>
+      </p:sp>
+      <p:sp>
+        <p:nvSpPr>
+          <p:cNvPr id="3" name="Notes Placeholder 2"/>
+          <p:cNvSpPr>
+            <a:spLocks noGrp="1"/>
+          </p:cNvSpPr>
+          <p:nvPr>
+            <p:ph type="body" idx="1"/>
+          </p:nvPr>
+        </p:nvSpPr>
+        <p:spPr/>
+        <p:txBody>
+          <a:bodyPr/>
+          <a:lstStyle/>
+          <a:p>
+            <a:endParaRPr lang="en-US" dirty="0"/>
+          </a:p>
+        </p:txBody>
+      </p:sp>
+      <p:sp>
+        <p:nvSpPr>
+          <p:cNvPr id="4" name="Slide Number Placeholder 3"/>
+          <p:cNvSpPr>
+            <a:spLocks noGrp="1"/>
+          </p:cNvSpPr>
+          <p:nvPr>
+            <p:ph type="sldNum" sz="quarter" idx="5"/>
+          </p:nvPr>
+        </p:nvSpPr>
+        <p:spPr/>
+        <p:txBody>
+          <a:bodyPr/>
+          <a:lstStyle/>
+          <a:p>
+            <a:fld id="{087148C5-844F-4B24-AF5D-AE4A32FED565}" type="slidenum">
+              <a:rPr lang="en-US" smtClean="0"/>
+              <a:t>10</a:t>
+            </a:fld>
+            <a:endParaRPr lang="en-US"/>
+          </a:p>
+        </p:txBody>
+      </p:sp>
+    </p:spTree>
+    <p:extLst>
+      <p:ext uri="{BB962C8B-B14F-4D97-AF65-F5344CB8AC3E}">
+        <p14:creationId xmlns:p14="http://schemas.microsoft.com/office/powerpoint/2010/main" val="2389884894"/>
       </p:ext>
     </p:extLst>
   </p:cSld>
@@ -8187,7 +8167,7 @@
           <a:p>
             <a:fld id="{1C3BFB82-2031-4677-8DE5-A01013E16957}" type="datetimeFigureOut">
               <a:rPr lang="en-US" smtClean="0"/>
-              <a:t>9/25/2024</a:t>
+              <a:t>9/27/2024</a:t>
             </a:fld>
             <a:endParaRPr lang="en-US"/>
           </a:p>
@@ -8385,7 +8365,7 @@
           <a:p>
             <a:fld id="{1C3BFB82-2031-4677-8DE5-A01013E16957}" type="datetimeFigureOut">
               <a:rPr lang="en-US" smtClean="0"/>
-              <a:t>9/25/2024</a:t>
+              <a:t>9/27/2024</a:t>
             </a:fld>
             <a:endParaRPr lang="en-US"/>
           </a:p>
@@ -8593,7 +8573,7 @@
           <a:p>
             <a:fld id="{1C3BFB82-2031-4677-8DE5-A01013E16957}" type="datetimeFigureOut">
               <a:rPr lang="en-US" smtClean="0"/>
-              <a:t>9/25/2024</a:t>
+              <a:t>9/27/2024</a:t>
             </a:fld>
             <a:endParaRPr lang="en-US"/>
           </a:p>
@@ -8791,7 +8771,7 @@
           <a:p>
             <a:fld id="{1C3BFB82-2031-4677-8DE5-A01013E16957}" type="datetimeFigureOut">
               <a:rPr lang="en-US" smtClean="0"/>
-              <a:t>9/25/2024</a:t>
+              <a:t>9/27/2024</a:t>
             </a:fld>
             <a:endParaRPr lang="en-US"/>
           </a:p>
@@ -9066,7 +9046,7 @@
           <a:p>
             <a:fld id="{1C3BFB82-2031-4677-8DE5-A01013E16957}" type="datetimeFigureOut">
               <a:rPr lang="en-US" smtClean="0"/>
-              <a:t>9/25/2024</a:t>
+              <a:t>9/27/2024</a:t>
             </a:fld>
             <a:endParaRPr lang="en-US"/>
           </a:p>
@@ -9331,7 +9311,7 @@
           <a:p>
             <a:fld id="{1C3BFB82-2031-4677-8DE5-A01013E16957}" type="datetimeFigureOut">
               <a:rPr lang="en-US" smtClean="0"/>
-              <a:t>9/25/2024</a:t>
+              <a:t>9/27/2024</a:t>
             </a:fld>
             <a:endParaRPr lang="en-US"/>
           </a:p>
@@ -9743,7 +9723,7 @@
           <a:p>
             <a:fld id="{1C3BFB82-2031-4677-8DE5-A01013E16957}" type="datetimeFigureOut">
               <a:rPr lang="en-US" smtClean="0"/>
-              <a:t>9/25/2024</a:t>
+              <a:t>9/27/2024</a:t>
             </a:fld>
             <a:endParaRPr lang="en-US"/>
           </a:p>
@@ -9884,7 +9864,7 @@
           <a:p>
             <a:fld id="{1C3BFB82-2031-4677-8DE5-A01013E16957}" type="datetimeFigureOut">
               <a:rPr lang="en-US" smtClean="0"/>
-              <a:t>9/25/2024</a:t>
+              <a:t>9/27/2024</a:t>
             </a:fld>
             <a:endParaRPr lang="en-US"/>
           </a:p>
@@ -9997,7 +9977,7 @@
           <a:p>
             <a:fld id="{1C3BFB82-2031-4677-8DE5-A01013E16957}" type="datetimeFigureOut">
               <a:rPr lang="en-US" smtClean="0"/>
-              <a:t>9/25/2024</a:t>
+              <a:t>9/27/2024</a:t>
             </a:fld>
             <a:endParaRPr lang="en-US"/>
           </a:p>
@@ -10308,7 +10288,7 @@
           <a:p>
             <a:fld id="{1C3BFB82-2031-4677-8DE5-A01013E16957}" type="datetimeFigureOut">
               <a:rPr lang="en-US" smtClean="0"/>
-              <a:t>9/25/2024</a:t>
+              <a:t>9/27/2024</a:t>
             </a:fld>
             <a:endParaRPr lang="en-US"/>
           </a:p>
@@ -10596,7 +10576,7 @@
           <a:p>
             <a:fld id="{1C3BFB82-2031-4677-8DE5-A01013E16957}" type="datetimeFigureOut">
               <a:rPr lang="en-US" smtClean="0"/>
-              <a:t>9/25/2024</a:t>
+              <a:t>9/27/2024</a:t>
             </a:fld>
             <a:endParaRPr lang="en-US"/>
           </a:p>
@@ -10837,7 +10817,7 @@
           <a:p>
             <a:fld id="{1C3BFB82-2031-4677-8DE5-A01013E16957}" type="datetimeFigureOut">
               <a:rPr lang="en-US" smtClean="0"/>
-              <a:t>9/25/2024</a:t>
+              <a:t>9/27/2024</a:t>
             </a:fld>
             <a:endParaRPr lang="en-US"/>
           </a:p>
@@ -11785,6 +11765,131 @@
 </p:sld>
 </file>
 
+<file path=ppt/slides/slide10.xml><?xml version="1.0" encoding="utf-8"?>
+<p:sld xmlns:a="http://schemas.openxmlformats.org/drawingml/2006/main" xmlns:r="http://schemas.openxmlformats.org/officeDocument/2006/relationships" xmlns:p="http://schemas.openxmlformats.org/presentationml/2006/main">
+  <p:cSld>
+    <p:spTree>
+      <p:nvGrpSpPr>
+        <p:cNvPr id="1" name=""/>
+        <p:cNvGrpSpPr/>
+        <p:nvPr/>
+      </p:nvGrpSpPr>
+      <p:grpSpPr>
+        <a:xfrm>
+          <a:off x="0" y="0"/>
+          <a:ext cx="0" cy="0"/>
+          <a:chOff x="0" y="0"/>
+          <a:chExt cx="0" cy="0"/>
+        </a:xfrm>
+      </p:grpSpPr>
+      <p:sp>
+        <p:nvSpPr>
+          <p:cNvPr id="2" name="Title 1">
+            <a:extLst>
+              <a:ext uri="{FF2B5EF4-FFF2-40B4-BE49-F238E27FC236}">
+                <a16:creationId xmlns:a16="http://schemas.microsoft.com/office/drawing/2014/main" id="{99799971-241A-C968-C860-5199DAA4A5F5}"/>
+              </a:ext>
+            </a:extLst>
+          </p:cNvPr>
+          <p:cNvSpPr>
+            <a:spLocks noGrp="1"/>
+          </p:cNvSpPr>
+          <p:nvPr>
+            <p:ph type="title"/>
+          </p:nvPr>
+        </p:nvSpPr>
+        <p:spPr/>
+        <p:txBody>
+          <a:bodyPr/>
+          <a:lstStyle/>
+          <a:p>
+            <a:r>
+              <a:rPr lang="en-US" dirty="0"/>
+              <a:t>Advanced features</a:t>
+            </a:r>
+          </a:p>
+        </p:txBody>
+      </p:sp>
+      <p:graphicFrame>
+        <p:nvGraphicFramePr>
+          <p:cNvPr id="4" name="Content Placeholder 3">
+            <a:extLst>
+              <a:ext uri="{FF2B5EF4-FFF2-40B4-BE49-F238E27FC236}">
+                <a16:creationId xmlns:a16="http://schemas.microsoft.com/office/drawing/2014/main" id="{BF7208B5-BFAD-D907-E598-CE1D7EE65C77}"/>
+              </a:ext>
+            </a:extLst>
+          </p:cNvPr>
+          <p:cNvGraphicFramePr>
+            <a:graphicFrameLocks noGrp="1"/>
+          </p:cNvGraphicFramePr>
+          <p:nvPr>
+            <p:ph idx="1"/>
+            <p:extLst>
+              <p:ext uri="{D42A27DB-BD31-4B8C-83A1-F6EECF244321}">
+                <p14:modId xmlns:p14="http://schemas.microsoft.com/office/powerpoint/2010/main" val="3687429230"/>
+              </p:ext>
+            </p:extLst>
+          </p:nvPr>
+        </p:nvGraphicFramePr>
+        <p:xfrm>
+          <a:off x="838200" y="1825625"/>
+          <a:ext cx="10515600" cy="4351338"/>
+        </p:xfrm>
+        <a:graphic>
+          <a:graphicData uri="http://schemas.openxmlformats.org/drawingml/2006/diagram">
+            <dgm:relIds xmlns:dgm="http://schemas.openxmlformats.org/drawingml/2006/diagram" xmlns:r="http://schemas.openxmlformats.org/officeDocument/2006/relationships" r:dm="rId3" r:lo="rId4" r:qs="rId5" r:cs="rId6"/>
+          </a:graphicData>
+        </a:graphic>
+      </p:graphicFrame>
+      <p:pic>
+        <p:nvPicPr>
+          <p:cNvPr id="3" name="Picture 2">
+            <a:extLst>
+              <a:ext uri="{FF2B5EF4-FFF2-40B4-BE49-F238E27FC236}">
+                <a16:creationId xmlns:a16="http://schemas.microsoft.com/office/drawing/2014/main" id="{F4A1CD47-C51C-DC9C-7F0B-0EEE78EC7AC6}"/>
+              </a:ext>
+            </a:extLst>
+          </p:cNvPr>
+          <p:cNvPicPr>
+            <a:picLocks noChangeAspect="1"/>
+          </p:cNvPicPr>
+          <p:nvPr/>
+        </p:nvPicPr>
+        <p:blipFill>
+          <a:blip r:embed="rId8">
+            <a:extLst>
+              <a:ext uri="{28A0092B-C50C-407E-A947-70E740481C1C}">
+                <a14:useLocalDpi xmlns:a14="http://schemas.microsoft.com/office/drawing/2010/main" val="0"/>
+              </a:ext>
+            </a:extLst>
+          </a:blip>
+          <a:stretch>
+            <a:fillRect/>
+          </a:stretch>
+        </p:blipFill>
+        <p:spPr>
+          <a:xfrm>
+            <a:off x="10823675" y="324295"/>
+            <a:ext cx="1119373" cy="877824"/>
+          </a:xfrm>
+          <a:prstGeom prst="rect">
+            <a:avLst/>
+          </a:prstGeom>
+        </p:spPr>
+      </p:pic>
+    </p:spTree>
+    <p:extLst>
+      <p:ext uri="{BB962C8B-B14F-4D97-AF65-F5344CB8AC3E}">
+        <p14:creationId xmlns:p14="http://schemas.microsoft.com/office/powerpoint/2010/main" val="978501252"/>
+      </p:ext>
+    </p:extLst>
+  </p:cSld>
+  <p:clrMapOvr>
+    <a:masterClrMapping/>
+  </p:clrMapOvr>
+</p:sld>
+</file>
+
 <file path=ppt/slides/slide2.xml><?xml version="1.0" encoding="utf-8"?>
 <p:sld xmlns:a="http://schemas.openxmlformats.org/drawingml/2006/main" xmlns:r="http://schemas.openxmlformats.org/officeDocument/2006/relationships" xmlns:p="http://schemas.openxmlformats.org/presentationml/2006/main">
   <p:cSld>
@@ -11899,8 +12004,8 @@
           <a:lstStyle/>
           <a:p>
             <a:r>
-              <a:rPr lang="en-US"/>
-              <a:t>What is Crescendo and why should I care?</a:t>
+              <a:rPr lang="en-US" dirty="0"/>
+              <a:t>What is PowerShell Crescendo?</a:t>
             </a:r>
           </a:p>
         </p:txBody>
@@ -12062,7 +12167,7 @@
         </p:spPr>
         <p:txBody>
           <a:bodyPr anchor="t">
-            <a:normAutofit/>
+            <a:normAutofit fontScale="92500"/>
           </a:bodyPr>
           <a:lstStyle/>
           <a:p>
@@ -12071,15 +12176,7 @@
             </a:pPr>
             <a:r>
               <a:rPr lang="en-US" sz="2400" b="0" i="0" dirty="0"/>
-              <a:t>Crescendo provides a framework to rapidly create PowerShell cmdlets that </a:t>
-            </a:r>
-            <a:r>
-              <a:rPr lang="en-US" sz="2400" b="0" i="1" dirty="0"/>
-              <a:t>amplify</a:t>
-            </a:r>
-            <a:r>
-              <a:rPr lang="en-US" sz="2400" b="0" i="0" dirty="0"/>
-              <a:t> command-line tools, regardless of platform.</a:t>
+              <a:t>PowerShell Crescendo is a framework for creating PowerShell cmdlets that amplify command-line tools, regardless of platform.</a:t>
             </a:r>
             <a:endParaRPr lang="en-US" sz="2400" dirty="0"/>
           </a:p>
@@ -12198,8 +12295,8 @@
         </p:nvSpPr>
         <p:spPr>
           <a:xfrm>
-            <a:off x="808638" y="4516609"/>
-            <a:ext cx="4515921" cy="646331"/>
+            <a:off x="1233034" y="4627820"/>
+            <a:ext cx="3652151" cy="923330"/>
           </a:xfrm>
           <a:prstGeom prst="rect">
             <a:avLst/>
@@ -12212,12 +12309,22 @@
           </a:bodyPr>
           <a:lstStyle/>
           <a:p>
-            <a:pPr marL="0" lvl="0" indent="0">
+            <a:pPr marL="0" lvl="0" indent="0" algn="ctr">
               <a:buNone/>
             </a:pPr>
             <a:r>
               <a:rPr lang="en-US" sz="1800" b="1" i="0" dirty="0"/>
-              <a:t>Goal: Create a PowerShell experience for native command-line tools.</a:t>
+              <a:t>Goal</a:t>
+            </a:r>
+            <a:endParaRPr lang="en-US" b="1" dirty="0"/>
+          </a:p>
+          <a:p>
+            <a:pPr marL="0" lvl="0" indent="0" algn="ctr">
+              <a:buNone/>
+            </a:pPr>
+            <a:r>
+              <a:rPr lang="en-US" sz="1800" b="1" i="0" dirty="0"/>
+              <a:t>Create a PowerShell experience for native command-line tools.</a:t>
             </a:r>
             <a:endParaRPr lang="en-US" sz="1800" dirty="0"/>
           </a:p>
@@ -12386,8 +12493,8 @@
           <a:lstStyle/>
           <a:p>
             <a:r>
-              <a:rPr lang="en-US" sz="4800"/>
-              <a:t>Choose the tool you want to amplify</a:t>
+              <a:rPr lang="en-US" sz="4800" dirty="0"/>
+              <a:t>How to choose the tool to amplify</a:t>
             </a:r>
           </a:p>
         </p:txBody>
@@ -13132,7 +13239,7 @@
           <a:p>
             <a:r>
               <a:rPr lang="en-US" sz="4800" dirty="0"/>
-              <a:t>Inspect the syntax and output</a:t>
+              <a:t>Research the tool's syntax and output</a:t>
             </a:r>
           </a:p>
         </p:txBody>
@@ -13997,6 +14104,14 @@
 <file path=ppt/slides/slide6.xml><?xml version="1.0" encoding="utf-8"?>
 <p:sld xmlns:a="http://schemas.openxmlformats.org/drawingml/2006/main" xmlns:r="http://schemas.openxmlformats.org/officeDocument/2006/relationships" xmlns:p="http://schemas.openxmlformats.org/presentationml/2006/main">
   <p:cSld>
+    <p:bg>
+      <p:bgPr>
+        <a:solidFill>
+          <a:schemeClr val="bg1"/>
+        </a:solidFill>
+        <a:effectLst/>
+      </p:bgPr>
+    </p:bg>
     <p:spTree>
       <p:nvGrpSpPr>
         <p:cNvPr id="1" name=""/>
@@ -14011,12 +14126,72 @@
           <a:chExt cx="0" cy="0"/>
         </a:xfrm>
       </p:grpSpPr>
+      <p:sp useBgFill="1">
+        <p:nvSpPr>
+          <p:cNvPr id="10" name="Rectangle 9">
+            <a:extLst>
+              <a:ext uri="{FF2B5EF4-FFF2-40B4-BE49-F238E27FC236}">
+                <a16:creationId xmlns:a16="http://schemas.microsoft.com/office/drawing/2014/main" id="{DBC6133C-0615-4CE4-9132-37E609A9BDFA}"/>
+              </a:ext>
+              <a:ext uri="{C183D7F6-B498-43B3-948B-1728B52AA6E4}">
+                <adec:decorative xmlns:adec="http://schemas.microsoft.com/office/drawing/2017/decorative" val="1"/>
+              </a:ext>
+            </a:extLst>
+          </p:cNvPr>
+          <p:cNvSpPr>
+            <a:spLocks noGrp="1" noRot="1" noChangeAspect="1" noMove="1" noResize="1" noEditPoints="1" noAdjustHandles="1" noChangeArrowheads="1" noChangeShapeType="1" noTextEdit="1"/>
+          </p:cNvSpPr>
+          <p:nvPr>
+            <p:extLst>
+              <p:ext uri="{386F3935-93C4-4BCD-93E2-E3B085C9AB24}">
+                <p16:designElem xmlns:p16="http://schemas.microsoft.com/office/powerpoint/2015/main" val="1"/>
+              </p:ext>
+            </p:extLst>
+          </p:nvPr>
+        </p:nvSpPr>
+        <p:spPr>
+          <a:xfrm>
+            <a:off x="0" y="0"/>
+            <a:ext cx="12191999" cy="6857365"/>
+          </a:xfrm>
+          <a:prstGeom prst="rect">
+            <a:avLst/>
+          </a:prstGeom>
+          <a:ln>
+            <a:noFill/>
+          </a:ln>
+        </p:spPr>
+        <p:style>
+          <a:lnRef idx="2">
+            <a:schemeClr val="accent1">
+              <a:shade val="50000"/>
+            </a:schemeClr>
+          </a:lnRef>
+          <a:fillRef idx="1">
+            <a:schemeClr val="accent1"/>
+          </a:fillRef>
+          <a:effectRef idx="0">
+            <a:schemeClr val="accent1"/>
+          </a:effectRef>
+          <a:fontRef idx="minor">
+            <a:schemeClr val="lt1"/>
+          </a:fontRef>
+        </p:style>
+        <p:txBody>
+          <a:bodyPr rtlCol="0" anchor="ctr"/>
+          <a:lstStyle/>
+          <a:p>
+            <a:pPr algn="ctr"/>
+            <a:endParaRPr lang="en-US"/>
+          </a:p>
+        </p:txBody>
+      </p:sp>
       <p:sp>
         <p:nvSpPr>
           <p:cNvPr id="2" name="Title 1">
             <a:extLst>
               <a:ext uri="{FF2B5EF4-FFF2-40B4-BE49-F238E27FC236}">
-                <a16:creationId xmlns:a16="http://schemas.microsoft.com/office/drawing/2014/main" id="{505BBB9F-CBAA-84CF-C946-8FAFBE90E80B}"/>
+                <a16:creationId xmlns:a16="http://schemas.microsoft.com/office/drawing/2014/main" id="{91972159-EDCB-763B-A96F-53638DF45F09}"/>
               </a:ext>
             </a:extLst>
           </p:cNvPr>
@@ -14027,55 +14202,366 @@
             <p:ph type="title"/>
           </p:nvPr>
         </p:nvSpPr>
-        <p:spPr/>
+        <p:spPr>
+          <a:xfrm>
+            <a:off x="645064" y="525982"/>
+            <a:ext cx="4282983" cy="1200361"/>
+          </a:xfrm>
+        </p:spPr>
         <p:txBody>
-          <a:bodyPr/>
+          <a:bodyPr anchor="b">
+            <a:normAutofit/>
+          </a:bodyPr>
           <a:lstStyle/>
           <a:p>
             <a:r>
-              <a:rPr lang="en-US" dirty="0"/>
-              <a:t>Create output handlers</a:t>
+              <a:rPr lang="en-US" sz="3600"/>
+              <a:t>Create Crescendo objects</a:t>
             </a:r>
           </a:p>
         </p:txBody>
       </p:sp>
-      <p:graphicFrame>
-        <p:nvGraphicFramePr>
-          <p:cNvPr id="6" name="Content Placeholder 5">
+      <p:sp>
+        <p:nvSpPr>
+          <p:cNvPr id="12" name="Rectangle 11">
             <a:extLst>
               <a:ext uri="{FF2B5EF4-FFF2-40B4-BE49-F238E27FC236}">
-                <a16:creationId xmlns:a16="http://schemas.microsoft.com/office/drawing/2014/main" id="{5412EADD-55DA-095E-374C-5D76B4514FB0}"/>
+                <a16:creationId xmlns:a16="http://schemas.microsoft.com/office/drawing/2014/main" id="{169CC832-2974-4E8D-90ED-3E2941BA7336}"/>
+              </a:ext>
+              <a:ext uri="{C183D7F6-B498-43B3-948B-1728B52AA6E4}">
+                <adec:decorative xmlns:adec="http://schemas.microsoft.com/office/drawing/2017/decorative" val="1"/>
               </a:ext>
             </a:extLst>
           </p:cNvPr>
-          <p:cNvGraphicFramePr>
-            <a:graphicFrameLocks noGrp="1"/>
-          </p:cNvGraphicFramePr>
+          <p:cNvSpPr>
+            <a:spLocks noGrp="1" noRot="1" noChangeAspect="1" noMove="1" noResize="1" noEditPoints="1" noAdjustHandles="1" noChangeArrowheads="1" noChangeShapeType="1" noTextEdit="1"/>
+          </p:cNvSpPr>
           <p:nvPr>
-            <p:ph idx="1"/>
             <p:extLst>
-              <p:ext uri="{D42A27DB-BD31-4B8C-83A1-F6EECF244321}">
-                <p14:modId xmlns:p14="http://schemas.microsoft.com/office/powerpoint/2010/main" val="1106620533"/>
+              <p:ext uri="{386F3935-93C4-4BCD-93E2-E3B085C9AB24}">
+                <p16:designElem xmlns:p16="http://schemas.microsoft.com/office/powerpoint/2015/main" val="1"/>
               </p:ext>
             </p:extLst>
           </p:nvPr>
-        </p:nvGraphicFramePr>
-        <p:xfrm>
-          <a:off x="838200" y="1825625"/>
-          <a:ext cx="10515600" cy="4351338"/>
-        </p:xfrm>
-        <a:graphic>
-          <a:graphicData uri="http://schemas.openxmlformats.org/drawingml/2006/diagram">
-            <dgm:relIds xmlns:dgm="http://schemas.openxmlformats.org/drawingml/2006/diagram" xmlns:r="http://schemas.openxmlformats.org/officeDocument/2006/relationships" r:dm="rId2" r:lo="rId3" r:qs="rId4" r:cs="rId5"/>
-          </a:graphicData>
-        </a:graphic>
-      </p:graphicFrame>
+        </p:nvSpPr>
+        <p:spPr>
+          <a:xfrm flipH="1">
+            <a:off x="616533" y="1944913"/>
+            <a:ext cx="4023360" cy="27432"/>
+          </a:xfrm>
+          <a:prstGeom prst="rect">
+            <a:avLst/>
+          </a:prstGeom>
+          <a:solidFill>
+            <a:schemeClr val="accent4"/>
+          </a:solidFill>
+          <a:ln>
+            <a:noFill/>
+          </a:ln>
+        </p:spPr>
+        <p:style>
+          <a:lnRef idx="2">
+            <a:schemeClr val="accent1">
+              <a:shade val="50000"/>
+            </a:schemeClr>
+          </a:lnRef>
+          <a:fillRef idx="1">
+            <a:schemeClr val="accent1"/>
+          </a:fillRef>
+          <a:effectRef idx="0">
+            <a:schemeClr val="accent1"/>
+          </a:effectRef>
+          <a:fontRef idx="minor">
+            <a:schemeClr val="lt1"/>
+          </a:fontRef>
+        </p:style>
+        <p:txBody>
+          <a:bodyPr rtlCol="0" anchor="ctr"/>
+          <a:lstStyle/>
+          <a:p>
+            <a:pPr algn="ctr"/>
+            <a:endParaRPr lang="en-US"/>
+          </a:p>
+        </p:txBody>
+      </p:sp>
+      <p:sp>
+        <p:nvSpPr>
+          <p:cNvPr id="3" name="Content Placeholder 2">
+            <a:extLst>
+              <a:ext uri="{FF2B5EF4-FFF2-40B4-BE49-F238E27FC236}">
+                <a16:creationId xmlns:a16="http://schemas.microsoft.com/office/drawing/2014/main" id="{8251F1A5-4BB3-F761-427D-F2F9C1582E4E}"/>
+              </a:ext>
+            </a:extLst>
+          </p:cNvPr>
+          <p:cNvSpPr>
+            <a:spLocks noGrp="1"/>
+          </p:cNvSpPr>
+          <p:nvPr>
+            <p:ph idx="1"/>
+          </p:nvPr>
+        </p:nvSpPr>
+        <p:spPr>
+          <a:xfrm>
+            <a:off x="645066" y="2031101"/>
+            <a:ext cx="4282984" cy="3511943"/>
+          </a:xfrm>
+        </p:spPr>
+        <p:txBody>
+          <a:bodyPr anchor="ctr">
+            <a:normAutofit/>
+          </a:bodyPr>
+          <a:lstStyle/>
+          <a:p>
+            <a:pPr marL="0" indent="0">
+              <a:buNone/>
+            </a:pPr>
+            <a:r>
+              <a:rPr lang="en-US" sz="1800"/>
+              <a:t>Crescendo </a:t>
+            </a:r>
+            <a:r>
+              <a:rPr lang="en-US" sz="1800" b="0" i="0">
+                <a:effectLst/>
+                <a:latin typeface="system-ui"/>
+              </a:rPr>
+              <a:t>cmdlets create Crescendo objects that can be serialized to a JSON</a:t>
+            </a:r>
+            <a:endParaRPr lang="en-US" sz="1800"/>
+          </a:p>
+          <a:p>
+            <a:r>
+              <a:rPr lang="en-US" sz="1800"/>
+              <a:t>New-CrescendoCommand</a:t>
+            </a:r>
+          </a:p>
+          <a:p>
+            <a:r>
+              <a:rPr lang="en-US" sz="1800"/>
+              <a:t>New-ExampleInfo</a:t>
+            </a:r>
+          </a:p>
+          <a:p>
+            <a:r>
+              <a:rPr lang="en-US" sz="1800"/>
+              <a:t>New-OutputHandler</a:t>
+            </a:r>
+          </a:p>
+          <a:p>
+            <a:r>
+              <a:rPr lang="en-US" sz="1800"/>
+              <a:t>New-ParameterInfo</a:t>
+            </a:r>
+          </a:p>
+          <a:p>
+            <a:r>
+              <a:rPr lang="en-US" sz="1800"/>
+              <a:t>New-UsageInfo</a:t>
+            </a:r>
+          </a:p>
+        </p:txBody>
+      </p:sp>
+      <p:sp>
+        <p:nvSpPr>
+          <p:cNvPr id="14" name="Rectangle 13">
+            <a:extLst>
+              <a:ext uri="{FF2B5EF4-FFF2-40B4-BE49-F238E27FC236}">
+                <a16:creationId xmlns:a16="http://schemas.microsoft.com/office/drawing/2014/main" id="{55222F96-971A-4F90-B841-6BAB416C7AC1}"/>
+              </a:ext>
+              <a:ext uri="{C183D7F6-B498-43B3-948B-1728B52AA6E4}">
+                <adec:decorative xmlns:adec="http://schemas.microsoft.com/office/drawing/2017/decorative" val="1"/>
+              </a:ext>
+            </a:extLst>
+          </p:cNvPr>
+          <p:cNvSpPr>
+            <a:spLocks noGrp="1" noRot="1" noChangeAspect="1" noMove="1" noResize="1" noEditPoints="1" noAdjustHandles="1" noChangeArrowheads="1" noChangeShapeType="1" noTextEdit="1"/>
+          </p:cNvSpPr>
+          <p:nvPr>
+            <p:extLst>
+              <p:ext uri="{386F3935-93C4-4BCD-93E2-E3B085C9AB24}">
+                <p16:designElem xmlns:p16="http://schemas.microsoft.com/office/powerpoint/2015/main" val="1"/>
+              </p:ext>
+            </p:extLst>
+          </p:nvPr>
+        </p:nvSpPr>
+        <p:spPr>
+          <a:xfrm rot="5400000">
+            <a:off x="-225843" y="6053360"/>
+            <a:ext cx="740664" cy="154124"/>
+          </a:xfrm>
+          <a:prstGeom prst="rect">
+            <a:avLst/>
+          </a:prstGeom>
+          <a:solidFill>
+            <a:schemeClr val="accent4"/>
+          </a:solidFill>
+          <a:ln>
+            <a:noFill/>
+          </a:ln>
+        </p:spPr>
+        <p:style>
+          <a:lnRef idx="2">
+            <a:schemeClr val="accent1">
+              <a:shade val="50000"/>
+            </a:schemeClr>
+          </a:lnRef>
+          <a:fillRef idx="1">
+            <a:schemeClr val="accent1"/>
+          </a:fillRef>
+          <a:effectRef idx="0">
+            <a:schemeClr val="accent1"/>
+          </a:effectRef>
+          <a:fontRef idx="minor">
+            <a:schemeClr val="lt1"/>
+          </a:fontRef>
+        </p:style>
+        <p:txBody>
+          <a:bodyPr rtlCol="0" anchor="ctr"/>
+          <a:lstStyle/>
+          <a:p>
+            <a:pPr algn="ctr"/>
+            <a:endParaRPr lang="en-US"/>
+          </a:p>
+        </p:txBody>
+      </p:sp>
+      <p:sp>
+        <p:nvSpPr>
+          <p:cNvPr id="16" name="Rectangle 15">
+            <a:extLst>
+              <a:ext uri="{FF2B5EF4-FFF2-40B4-BE49-F238E27FC236}">
+                <a16:creationId xmlns:a16="http://schemas.microsoft.com/office/drawing/2014/main" id="{08980754-6F4B-43C9-B9BE-127B6BED6586}"/>
+              </a:ext>
+              <a:ext uri="{C183D7F6-B498-43B3-948B-1728B52AA6E4}">
+                <adec:decorative xmlns:adec="http://schemas.microsoft.com/office/drawing/2017/decorative" val="1"/>
+              </a:ext>
+            </a:extLst>
+          </p:cNvPr>
+          <p:cNvSpPr>
+            <a:spLocks noGrp="1" noRot="1" noChangeAspect="1" noMove="1" noResize="1" noEditPoints="1" noAdjustHandles="1" noChangeArrowheads="1" noChangeShapeType="1" noTextEdit="1"/>
+          </p:cNvSpPr>
+          <p:nvPr>
+            <p:extLst>
+              <p:ext uri="{386F3935-93C4-4BCD-93E2-E3B085C9AB24}">
+                <p16:designElem xmlns:p16="http://schemas.microsoft.com/office/powerpoint/2015/main" val="1"/>
+              </p:ext>
+            </p:extLst>
+          </p:nvPr>
+        </p:nvSpPr>
+        <p:spPr>
+          <a:xfrm rot="5400000">
+            <a:off x="5904923" y="215201"/>
+            <a:ext cx="740664" cy="11833491"/>
+          </a:xfrm>
+          <a:prstGeom prst="rect">
+            <a:avLst/>
+          </a:prstGeom>
+          <a:solidFill>
+            <a:schemeClr val="accent4"/>
+          </a:solidFill>
+          <a:ln>
+            <a:noFill/>
+          </a:ln>
+        </p:spPr>
+        <p:style>
+          <a:lnRef idx="2">
+            <a:schemeClr val="accent1">
+              <a:shade val="50000"/>
+            </a:schemeClr>
+          </a:lnRef>
+          <a:fillRef idx="1">
+            <a:schemeClr val="accent1"/>
+          </a:fillRef>
+          <a:effectRef idx="0">
+            <a:schemeClr val="accent1"/>
+          </a:effectRef>
+          <a:fontRef idx="minor">
+            <a:schemeClr val="lt1"/>
+          </a:fontRef>
+        </p:style>
+        <p:txBody>
+          <a:bodyPr rtlCol="0" anchor="ctr"/>
+          <a:lstStyle/>
+          <a:p>
+            <a:pPr algn="ctr"/>
+            <a:endParaRPr lang="en-US"/>
+          </a:p>
+        </p:txBody>
+      </p:sp>
+      <p:sp>
+        <p:nvSpPr>
+          <p:cNvPr id="18" name="Rectangle 17">
+            <a:extLst>
+              <a:ext uri="{FF2B5EF4-FFF2-40B4-BE49-F238E27FC236}">
+                <a16:creationId xmlns:a16="http://schemas.microsoft.com/office/drawing/2014/main" id="{2C1BBA94-3F40-40AA-8BB9-E69E25E537C1}"/>
+              </a:ext>
+              <a:ext uri="{C183D7F6-B498-43B3-948B-1728B52AA6E4}">
+                <adec:decorative xmlns:adec="http://schemas.microsoft.com/office/drawing/2017/decorative" val="1"/>
+              </a:ext>
+            </a:extLst>
+          </p:cNvPr>
+          <p:cNvSpPr>
+            <a:spLocks noGrp="1" noRot="1" noChangeAspect="1" noMove="1" noResize="1" noEditPoints="1" noAdjustHandles="1" noChangeArrowheads="1" noChangeShapeType="1" noTextEdit="1"/>
+          </p:cNvSpPr>
+          <p:nvPr>
+            <p:extLst>
+              <p:ext uri="{386F3935-93C4-4BCD-93E2-E3B085C9AB24}">
+                <p16:designElem xmlns:p16="http://schemas.microsoft.com/office/powerpoint/2015/main" val="1"/>
+              </p:ext>
+            </p:extLst>
+          </p:nvPr>
+        </p:nvSpPr>
+        <p:spPr>
+          <a:xfrm>
+            <a:off x="5696793" y="354959"/>
+            <a:ext cx="6184973" cy="5915212"/>
+          </a:xfrm>
+          <a:prstGeom prst="rect">
+            <a:avLst/>
+          </a:prstGeom>
+          <a:solidFill>
+            <a:schemeClr val="bg1"/>
+          </a:solidFill>
+          <a:ln>
+            <a:noFill/>
+          </a:ln>
+          <a:effectLst>
+            <a:outerShdw blurRad="139700" dist="127000" dir="5400000" algn="t" rotWithShape="0">
+              <a:prstClr val="black">
+                <a:alpha val="15000"/>
+              </a:prstClr>
+            </a:outerShdw>
+          </a:effectLst>
+        </p:spPr>
+        <p:style>
+          <a:lnRef idx="2">
+            <a:schemeClr val="accent1">
+              <a:shade val="50000"/>
+            </a:schemeClr>
+          </a:lnRef>
+          <a:fillRef idx="1">
+            <a:schemeClr val="accent1"/>
+          </a:fillRef>
+          <a:effectRef idx="0">
+            <a:schemeClr val="accent1"/>
+          </a:effectRef>
+          <a:fontRef idx="minor">
+            <a:schemeClr val="lt1"/>
+          </a:fontRef>
+        </p:style>
+        <p:txBody>
+          <a:bodyPr rtlCol="0" anchor="ctr"/>
+          <a:lstStyle/>
+          <a:p>
+            <a:pPr algn="ctr"/>
+            <a:endParaRPr lang="en-US"/>
+          </a:p>
+        </p:txBody>
+      </p:sp>
       <p:pic>
         <p:nvPicPr>
-          <p:cNvPr id="3" name="Picture 2">
+          <p:cNvPr id="5" name="Picture 4" descr="A screenshot of a computer program&#10;&#10;Description automatically generated">
             <a:extLst>
               <a:ext uri="{FF2B5EF4-FFF2-40B4-BE49-F238E27FC236}">
-                <a16:creationId xmlns:a16="http://schemas.microsoft.com/office/drawing/2014/main" id="{090D1D2B-EB51-90D8-B745-326932BB80D2}"/>
+                <a16:creationId xmlns:a16="http://schemas.microsoft.com/office/drawing/2014/main" id="{CCDDADAD-247A-5E6F-2A0E-58529A1FF40E}"/>
               </a:ext>
             </a:extLst>
           </p:cNvPr>
@@ -14085,21 +14571,15 @@
           <p:nvPr/>
         </p:nvPicPr>
         <p:blipFill>
-          <a:blip r:embed="rId7">
-            <a:extLst>
-              <a:ext uri="{28A0092B-C50C-407E-A947-70E740481C1C}">
-                <a14:useLocalDpi xmlns:a14="http://schemas.microsoft.com/office/drawing/2010/main" val="0"/>
-              </a:ext>
-            </a:extLst>
-          </a:blip>
+          <a:blip r:embed="rId2"/>
           <a:stretch>
             <a:fillRect/>
           </a:stretch>
         </p:blipFill>
         <p:spPr>
           <a:xfrm>
-            <a:off x="10823675" y="324295"/>
-            <a:ext cx="1119373" cy="877824"/>
+            <a:off x="5987738" y="1202058"/>
+            <a:ext cx="5628018" cy="4221013"/>
           </a:xfrm>
           <a:prstGeom prst="rect">
             <a:avLst/>
@@ -14109,7 +14589,7 @@
     </p:spTree>
     <p:extLst>
       <p:ext uri="{BB962C8B-B14F-4D97-AF65-F5344CB8AC3E}">
-        <p14:creationId xmlns:p14="http://schemas.microsoft.com/office/powerpoint/2010/main" val="1721939068"/>
+        <p14:creationId xmlns:p14="http://schemas.microsoft.com/office/powerpoint/2010/main" val="3836061274"/>
       </p:ext>
     </p:extLst>
   </p:cSld>
@@ -14122,6 +14602,14 @@
 <file path=ppt/slides/slide7.xml><?xml version="1.0" encoding="utf-8"?>
 <p:sld xmlns:a="http://schemas.openxmlformats.org/drawingml/2006/main" xmlns:r="http://schemas.openxmlformats.org/officeDocument/2006/relationships" xmlns:p="http://schemas.openxmlformats.org/presentationml/2006/main">
   <p:cSld>
+    <p:bg>
+      <p:bgPr>
+        <a:solidFill>
+          <a:schemeClr val="bg1"/>
+        </a:solidFill>
+        <a:effectLst/>
+      </p:bgPr>
+    </p:bg>
     <p:spTree>
       <p:nvGrpSpPr>
         <p:cNvPr id="1" name=""/>
@@ -14136,12 +14624,72 @@
           <a:chExt cx="0" cy="0"/>
         </a:xfrm>
       </p:grpSpPr>
+      <p:sp useBgFill="1">
+        <p:nvSpPr>
+          <p:cNvPr id="38" name="Rectangle 37">
+            <a:extLst>
+              <a:ext uri="{FF2B5EF4-FFF2-40B4-BE49-F238E27FC236}">
+                <a16:creationId xmlns:a16="http://schemas.microsoft.com/office/drawing/2014/main" id="{9A724DBA-D2D9-471E-8ED7-2015DDD950DF}"/>
+              </a:ext>
+              <a:ext uri="{C183D7F6-B498-43B3-948B-1728B52AA6E4}">
+                <adec:decorative xmlns:adec="http://schemas.microsoft.com/office/drawing/2017/decorative" val="1"/>
+              </a:ext>
+            </a:extLst>
+          </p:cNvPr>
+          <p:cNvSpPr>
+            <a:spLocks noGrp="1" noRot="1" noChangeAspect="1" noMove="1" noResize="1" noEditPoints="1" noAdjustHandles="1" noChangeArrowheads="1" noChangeShapeType="1" noTextEdit="1"/>
+          </p:cNvSpPr>
+          <p:nvPr>
+            <p:extLst>
+              <p:ext uri="{386F3935-93C4-4BCD-93E2-E3B085C9AB24}">
+                <p16:designElem xmlns:p16="http://schemas.microsoft.com/office/powerpoint/2015/main" val="1"/>
+              </p:ext>
+            </p:extLst>
+          </p:nvPr>
+        </p:nvSpPr>
+        <p:spPr>
+          <a:xfrm>
+            <a:off x="0" y="0"/>
+            <a:ext cx="12191999" cy="6857365"/>
+          </a:xfrm>
+          <a:prstGeom prst="rect">
+            <a:avLst/>
+          </a:prstGeom>
+          <a:ln>
+            <a:noFill/>
+          </a:ln>
+        </p:spPr>
+        <p:style>
+          <a:lnRef idx="2">
+            <a:schemeClr val="accent1">
+              <a:shade val="50000"/>
+            </a:schemeClr>
+          </a:lnRef>
+          <a:fillRef idx="1">
+            <a:schemeClr val="accent1"/>
+          </a:fillRef>
+          <a:effectRef idx="0">
+            <a:schemeClr val="accent1"/>
+          </a:effectRef>
+          <a:fontRef idx="minor">
+            <a:schemeClr val="lt1"/>
+          </a:fontRef>
+        </p:style>
+        <p:txBody>
+          <a:bodyPr rtlCol="0" anchor="ctr"/>
+          <a:lstStyle/>
+          <a:p>
+            <a:pPr algn="ctr"/>
+            <a:endParaRPr lang="en-US"/>
+          </a:p>
+        </p:txBody>
+      </p:sp>
       <p:sp>
         <p:nvSpPr>
           <p:cNvPr id="2" name="Title 1">
             <a:extLst>
               <a:ext uri="{FF2B5EF4-FFF2-40B4-BE49-F238E27FC236}">
-                <a16:creationId xmlns:a16="http://schemas.microsoft.com/office/drawing/2014/main" id="{1C5CBE7E-D660-1896-166E-B237DB6D3F51}"/>
+                <a16:creationId xmlns:a16="http://schemas.microsoft.com/office/drawing/2014/main" id="{93E0B14F-44F5-89CE-F76D-D9FA1BD8F04A}"/>
               </a:ext>
             </a:extLst>
           </p:cNvPr>
@@ -14152,15 +14700,254 @@
             <p:ph type="title"/>
           </p:nvPr>
         </p:nvSpPr>
-        <p:spPr/>
+        <p:spPr>
+          <a:xfrm>
+            <a:off x="7239014" y="525982"/>
+            <a:ext cx="4282983" cy="1200361"/>
+          </a:xfrm>
+        </p:spPr>
         <p:txBody>
-          <a:bodyPr/>
+          <a:bodyPr anchor="b">
+            <a:normAutofit/>
+          </a:bodyPr>
           <a:lstStyle/>
           <a:p>
             <a:r>
-              <a:rPr lang="en-US" dirty="0"/>
-              <a:t>Build the module</a:t>
+              <a:rPr lang="en-US" sz="3600"/>
+              <a:t>Author JSON in VS Code</a:t>
             </a:r>
+          </a:p>
+        </p:txBody>
+      </p:sp>
+      <p:sp>
+        <p:nvSpPr>
+          <p:cNvPr id="40" name="Rectangle 39">
+            <a:extLst>
+              <a:ext uri="{FF2B5EF4-FFF2-40B4-BE49-F238E27FC236}">
+                <a16:creationId xmlns:a16="http://schemas.microsoft.com/office/drawing/2014/main" id="{08980754-6F4B-43C9-B9BE-127B6BED6586}"/>
+              </a:ext>
+              <a:ext uri="{C183D7F6-B498-43B3-948B-1728B52AA6E4}">
+                <adec:decorative xmlns:adec="http://schemas.microsoft.com/office/drawing/2017/decorative" val="1"/>
+              </a:ext>
+            </a:extLst>
+          </p:cNvPr>
+          <p:cNvSpPr>
+            <a:spLocks noGrp="1" noRot="1" noChangeAspect="1" noMove="1" noResize="1" noEditPoints="1" noAdjustHandles="1" noChangeArrowheads="1" noChangeShapeType="1" noTextEdit="1"/>
+          </p:cNvSpPr>
+          <p:nvPr>
+            <p:extLst>
+              <p:ext uri="{386F3935-93C4-4BCD-93E2-E3B085C9AB24}">
+                <p16:designElem xmlns:p16="http://schemas.microsoft.com/office/powerpoint/2015/main" val="1"/>
+              </p:ext>
+            </p:extLst>
+          </p:nvPr>
+        </p:nvSpPr>
+        <p:spPr>
+          <a:xfrm rot="5400000">
+            <a:off x="5546413" y="215201"/>
+            <a:ext cx="740664" cy="11833491"/>
+          </a:xfrm>
+          <a:prstGeom prst="rect">
+            <a:avLst/>
+          </a:prstGeom>
+          <a:solidFill>
+            <a:schemeClr val="accent4"/>
+          </a:solidFill>
+          <a:ln>
+            <a:noFill/>
+          </a:ln>
+        </p:spPr>
+        <p:style>
+          <a:lnRef idx="2">
+            <a:schemeClr val="accent1">
+              <a:shade val="50000"/>
+            </a:schemeClr>
+          </a:lnRef>
+          <a:fillRef idx="1">
+            <a:schemeClr val="accent1"/>
+          </a:fillRef>
+          <a:effectRef idx="0">
+            <a:schemeClr val="accent1"/>
+          </a:effectRef>
+          <a:fontRef idx="minor">
+            <a:schemeClr val="lt1"/>
+          </a:fontRef>
+        </p:style>
+        <p:txBody>
+          <a:bodyPr rtlCol="0" anchor="ctr"/>
+          <a:lstStyle/>
+          <a:p>
+            <a:pPr algn="ctr"/>
+            <a:endParaRPr lang="en-US"/>
+          </a:p>
+        </p:txBody>
+      </p:sp>
+      <p:sp>
+        <p:nvSpPr>
+          <p:cNvPr id="42" name="Rectangle 41">
+            <a:extLst>
+              <a:ext uri="{FF2B5EF4-FFF2-40B4-BE49-F238E27FC236}">
+                <a16:creationId xmlns:a16="http://schemas.microsoft.com/office/drawing/2014/main" id="{2C1BBA94-3F40-40AA-8BB9-E69E25E537C1}"/>
+              </a:ext>
+              <a:ext uri="{C183D7F6-B498-43B3-948B-1728B52AA6E4}">
+                <adec:decorative xmlns:adec="http://schemas.microsoft.com/office/drawing/2017/decorative" val="1"/>
+              </a:ext>
+            </a:extLst>
+          </p:cNvPr>
+          <p:cNvSpPr>
+            <a:spLocks noGrp="1" noRot="1" noChangeAspect="1" noMove="1" noResize="1" noEditPoints="1" noAdjustHandles="1" noChangeArrowheads="1" noChangeShapeType="1" noTextEdit="1"/>
+          </p:cNvSpPr>
+          <p:nvPr>
+            <p:extLst>
+              <p:ext uri="{386F3935-93C4-4BCD-93E2-E3B085C9AB24}">
+                <p16:designElem xmlns:p16="http://schemas.microsoft.com/office/powerpoint/2015/main" val="1"/>
+              </p:ext>
+            </p:extLst>
+          </p:nvPr>
+        </p:nvSpPr>
+        <p:spPr>
+          <a:xfrm>
+            <a:off x="310234" y="354959"/>
+            <a:ext cx="6184973" cy="5915212"/>
+          </a:xfrm>
+          <a:prstGeom prst="rect">
+            <a:avLst/>
+          </a:prstGeom>
+          <a:solidFill>
+            <a:schemeClr val="bg1"/>
+          </a:solidFill>
+          <a:ln>
+            <a:noFill/>
+          </a:ln>
+          <a:effectLst>
+            <a:outerShdw blurRad="139700" dist="127000" dir="5400000" algn="t" rotWithShape="0">
+              <a:prstClr val="black">
+                <a:alpha val="15000"/>
+              </a:prstClr>
+            </a:outerShdw>
+          </a:effectLst>
+        </p:spPr>
+        <p:style>
+          <a:lnRef idx="2">
+            <a:schemeClr val="accent1">
+              <a:shade val="50000"/>
+            </a:schemeClr>
+          </a:lnRef>
+          <a:fillRef idx="1">
+            <a:schemeClr val="accent1"/>
+          </a:fillRef>
+          <a:effectRef idx="0">
+            <a:schemeClr val="accent1"/>
+          </a:effectRef>
+          <a:fontRef idx="minor">
+            <a:schemeClr val="lt1"/>
+          </a:fontRef>
+        </p:style>
+        <p:txBody>
+          <a:bodyPr rtlCol="0" anchor="ctr"/>
+          <a:lstStyle/>
+          <a:p>
+            <a:pPr algn="ctr"/>
+            <a:endParaRPr lang="en-US"/>
+          </a:p>
+        </p:txBody>
+      </p:sp>
+      <p:pic>
+        <p:nvPicPr>
+          <p:cNvPr id="8" name="Picture 7" descr="A screen shot of a computer&#10;&#10;Description automatically generated">
+            <a:extLst>
+              <a:ext uri="{FF2B5EF4-FFF2-40B4-BE49-F238E27FC236}">
+                <a16:creationId xmlns:a16="http://schemas.microsoft.com/office/drawing/2014/main" id="{7E21A345-3733-27AC-27FD-E944754703D6}"/>
+              </a:ext>
+            </a:extLst>
+          </p:cNvPr>
+          <p:cNvPicPr>
+            <a:picLocks noChangeAspect="1"/>
+          </p:cNvPicPr>
+          <p:nvPr/>
+        </p:nvPicPr>
+        <p:blipFill>
+          <a:blip r:embed="rId2">
+            <a:extLst>
+              <a:ext uri="{28A0092B-C50C-407E-A947-70E740481C1C}">
+                <a14:useLocalDpi xmlns:a14="http://schemas.microsoft.com/office/drawing/2010/main" val="0"/>
+              </a:ext>
+            </a:extLst>
+          </a:blip>
+          <a:stretch>
+            <a:fillRect/>
+          </a:stretch>
+        </p:blipFill>
+        <p:spPr>
+          <a:xfrm>
+            <a:off x="576244" y="1272739"/>
+            <a:ext cx="5628018" cy="4079652"/>
+          </a:xfrm>
+          <a:prstGeom prst="rect">
+            <a:avLst/>
+          </a:prstGeom>
+        </p:spPr>
+      </p:pic>
+      <p:sp>
+        <p:nvSpPr>
+          <p:cNvPr id="44" name="Rectangle 43">
+            <a:extLst>
+              <a:ext uri="{FF2B5EF4-FFF2-40B4-BE49-F238E27FC236}">
+                <a16:creationId xmlns:a16="http://schemas.microsoft.com/office/drawing/2014/main" id="{169CC832-2974-4E8D-90ED-3E2941BA7336}"/>
+              </a:ext>
+              <a:ext uri="{C183D7F6-B498-43B3-948B-1728B52AA6E4}">
+                <adec:decorative xmlns:adec="http://schemas.microsoft.com/office/drawing/2017/decorative" val="1"/>
+              </a:ext>
+            </a:extLst>
+          </p:cNvPr>
+          <p:cNvSpPr>
+            <a:spLocks noGrp="1" noRot="1" noChangeAspect="1" noMove="1" noResize="1" noEditPoints="1" noAdjustHandles="1" noChangeArrowheads="1" noChangeShapeType="1" noTextEdit="1"/>
+          </p:cNvSpPr>
+          <p:nvPr>
+            <p:extLst>
+              <p:ext uri="{386F3935-93C4-4BCD-93E2-E3B085C9AB24}">
+                <p16:designElem xmlns:p16="http://schemas.microsoft.com/office/powerpoint/2015/main" val="1"/>
+              </p:ext>
+            </p:extLst>
+          </p:nvPr>
+        </p:nvSpPr>
+        <p:spPr>
+          <a:xfrm flipH="1">
+            <a:off x="7277786" y="1944913"/>
+            <a:ext cx="4023360" cy="27432"/>
+          </a:xfrm>
+          <a:prstGeom prst="rect">
+            <a:avLst/>
+          </a:prstGeom>
+          <a:solidFill>
+            <a:schemeClr val="accent4"/>
+          </a:solidFill>
+          <a:ln>
+            <a:noFill/>
+          </a:ln>
+        </p:spPr>
+        <p:style>
+          <a:lnRef idx="2">
+            <a:schemeClr val="accent1">
+              <a:shade val="50000"/>
+            </a:schemeClr>
+          </a:lnRef>
+          <a:fillRef idx="1">
+            <a:schemeClr val="accent1"/>
+          </a:fillRef>
+          <a:effectRef idx="0">
+            <a:schemeClr val="accent1"/>
+          </a:effectRef>
+          <a:fontRef idx="minor">
+            <a:schemeClr val="lt1"/>
+          </a:fontRef>
+        </p:style>
+        <p:txBody>
+          <a:bodyPr rtlCol="0" anchor="ctr"/>
+          <a:lstStyle/>
+          <a:p>
+            <a:pPr algn="ctr"/>
+            <a:endParaRPr lang="en-US"/>
           </a:p>
         </p:txBody>
       </p:sp>
@@ -14169,7 +14956,7 @@
           <p:cNvPr id="3" name="Content Placeholder 2">
             <a:extLst>
               <a:ext uri="{FF2B5EF4-FFF2-40B4-BE49-F238E27FC236}">
-                <a16:creationId xmlns:a16="http://schemas.microsoft.com/office/drawing/2014/main" id="{1E32075D-696B-77E8-34DB-A684A74018CB}"/>
+                <a16:creationId xmlns:a16="http://schemas.microsoft.com/office/drawing/2014/main" id="{13EEE1BA-D998-7E6F-791E-39D4BE46E03F}"/>
               </a:ext>
             </a:extLst>
           </p:cNvPr>
@@ -14180,97 +14967,103 @@
             <p:ph idx="1"/>
           </p:nvPr>
         </p:nvSpPr>
-        <p:spPr/>
+        <p:spPr>
+          <a:xfrm>
+            <a:off x="7239012" y="2031101"/>
+            <a:ext cx="4282984" cy="3511943"/>
+          </a:xfrm>
+        </p:spPr>
         <p:txBody>
-          <a:bodyPr>
+          <a:bodyPr anchor="t">
             <a:normAutofit/>
           </a:bodyPr>
           <a:lstStyle/>
           <a:p>
+            <a:pPr marL="0" indent="0">
+              <a:buNone/>
+            </a:pPr>
             <a:r>
               <a:rPr lang="en-US" dirty="0"/>
-              <a:t>Export-</a:t>
+              <a:t>Crescendo includes a JSON schema file that enables IntelliSense in Visual Studio Code and ensures </a:t>
             </a:r>
             <a:r>
-              <a:rPr lang="en-US" dirty="0" err="1"/>
-              <a:t>CrescendoModule</a:t>
-            </a:r>
-            <a:endParaRPr lang="en-US" dirty="0"/>
-          </a:p>
-          <a:p>
-            <a:pPr lvl="1"/>
-            <a:r>
-              <a:rPr lang="en-US" dirty="0" err="1"/>
-              <a:t>NoClobber</a:t>
+              <a:rPr lang="en-US"/>
+              <a:t>that the JSON </a:t>
             </a:r>
             <a:r>
               <a:rPr lang="en-US" dirty="0"/>
-              <a:t> option</a:t>
+              <a:t>file is correctly structured.</a:t>
             </a:r>
           </a:p>
-          <a:p>
-            <a:r>
-              <a:rPr lang="en-US" dirty="0"/>
-              <a:t>Test-</a:t>
-            </a:r>
-            <a:r>
-              <a:rPr lang="en-US" dirty="0" err="1"/>
-              <a:t>IsCrescendoCommand</a:t>
-            </a:r>
-            <a:endParaRPr lang="en-US" dirty="0"/>
-          </a:p>
-          <a:p>
-            <a:r>
-              <a:rPr lang="en-US" dirty="0"/>
-              <a:t>Prepare your module for distribution</a:t>
-            </a:r>
-          </a:p>
-          <a:p>
-            <a:pPr lvl="1"/>
-            <a:r>
-              <a:rPr lang="en-US" dirty="0"/>
-              <a:t>Include any files that the end-user needs</a:t>
-            </a:r>
-          </a:p>
-          <a:p>
-            <a:pPr lvl="1"/>
-            <a:r>
-              <a:rPr lang="en-US" dirty="0"/>
-              <a:t>Edit PSD1 file as necessary (version, </a:t>
-            </a:r>
-            <a:r>
-              <a:rPr lang="en-US" dirty="0" err="1"/>
-              <a:t>helpuri</a:t>
-            </a:r>
-            <a:r>
-              <a:rPr lang="en-US" dirty="0"/>
-              <a:t>, compatibility, etc.)</a:t>
-            </a:r>
-          </a:p>
-          <a:p>
-            <a:pPr lvl="1"/>
-            <a:r>
-              <a:rPr lang="en-US" dirty="0"/>
-              <a:t>See requirements for </a:t>
-            </a:r>
-            <a:r>
-              <a:rPr lang="en-US" dirty="0" err="1"/>
-              <a:t>PSGallery</a:t>
-            </a:r>
-            <a:endParaRPr lang="en-US" dirty="0"/>
-          </a:p>
-          <a:p>
-            <a:r>
-              <a:rPr lang="en-US" dirty="0"/>
-              <a:t>Finding Crescendo modules</a:t>
-            </a:r>
+        </p:txBody>
+      </p:sp>
+      <p:sp>
+        <p:nvSpPr>
+          <p:cNvPr id="46" name="Rectangle 45">
+            <a:extLst>
+              <a:ext uri="{FF2B5EF4-FFF2-40B4-BE49-F238E27FC236}">
+                <a16:creationId xmlns:a16="http://schemas.microsoft.com/office/drawing/2014/main" id="{55222F96-971A-4F90-B841-6BAB416C7AC1}"/>
+              </a:ext>
+              <a:ext uri="{C183D7F6-B498-43B3-948B-1728B52AA6E4}">
+                <adec:decorative xmlns:adec="http://schemas.microsoft.com/office/drawing/2017/decorative" val="1"/>
+              </a:ext>
+            </a:extLst>
+          </p:cNvPr>
+          <p:cNvSpPr>
+            <a:spLocks noGrp="1" noRot="1" noChangeAspect="1" noMove="1" noResize="1" noEditPoints="1" noAdjustHandles="1" noChangeArrowheads="1" noChangeShapeType="1" noTextEdit="1"/>
+          </p:cNvSpPr>
+          <p:nvPr>
+            <p:extLst>
+              <p:ext uri="{386F3935-93C4-4BCD-93E2-E3B085C9AB24}">
+                <p16:designElem xmlns:p16="http://schemas.microsoft.com/office/powerpoint/2015/main" val="1"/>
+              </p:ext>
+            </p:extLst>
+          </p:nvPr>
+        </p:nvSpPr>
+        <p:spPr>
+          <a:xfrm rot="5400000">
+            <a:off x="11677179" y="6053360"/>
+            <a:ext cx="740664" cy="154124"/>
+          </a:xfrm>
+          <a:prstGeom prst="rect">
+            <a:avLst/>
+          </a:prstGeom>
+          <a:solidFill>
+            <a:schemeClr val="accent4"/>
+          </a:solidFill>
+          <a:ln>
+            <a:noFill/>
+          </a:ln>
+        </p:spPr>
+        <p:style>
+          <a:lnRef idx="2">
+            <a:schemeClr val="accent1">
+              <a:shade val="50000"/>
+            </a:schemeClr>
+          </a:lnRef>
+          <a:fillRef idx="1">
+            <a:schemeClr val="accent1"/>
+          </a:fillRef>
+          <a:effectRef idx="0">
+            <a:schemeClr val="accent1"/>
+          </a:effectRef>
+          <a:fontRef idx="minor">
+            <a:schemeClr val="lt1"/>
+          </a:fontRef>
+        </p:style>
+        <p:txBody>
+          <a:bodyPr rtlCol="0" anchor="ctr"/>
+          <a:lstStyle/>
+          <a:p>
+            <a:pPr algn="ctr"/>
+            <a:endParaRPr lang="en-US"/>
           </a:p>
         </p:txBody>
       </p:sp>
     </p:spTree>
     <p:extLst>
       <p:ext uri="{BB962C8B-B14F-4D97-AF65-F5344CB8AC3E}">
-        <p14:creationId xmlns:p14="http://schemas.microsoft.com/office/powerpoint/2010/main" val="1333003313"/>
+        <p14:creationId xmlns:p14="http://schemas.microsoft.com/office/powerpoint/2010/main" val="2765880472"/>
       </p:ext>
     </p:extLst>
   </p:cSld>
@@ -14283,6 +15076,14 @@
 <file path=ppt/slides/slide8.xml><?xml version="1.0" encoding="utf-8"?>
 <p:sld xmlns:a="http://schemas.openxmlformats.org/drawingml/2006/main" xmlns:r="http://schemas.openxmlformats.org/officeDocument/2006/relationships" xmlns:p="http://schemas.openxmlformats.org/presentationml/2006/main">
   <p:cSld>
+    <p:bg>
+      <p:bgPr>
+        <a:solidFill>
+          <a:schemeClr val="bg1"/>
+        </a:solidFill>
+        <a:effectLst/>
+      </p:bgPr>
+    </p:bg>
     <p:spTree>
       <p:nvGrpSpPr>
         <p:cNvPr id="1" name=""/>
@@ -14297,12 +15098,476 @@
           <a:chExt cx="0" cy="0"/>
         </a:xfrm>
       </p:grpSpPr>
+      <p:sp useBgFill="1">
+        <p:nvSpPr>
+          <p:cNvPr id="15" name="Rectangle 14">
+            <a:extLst>
+              <a:ext uri="{FF2B5EF4-FFF2-40B4-BE49-F238E27FC236}">
+                <a16:creationId xmlns:a16="http://schemas.microsoft.com/office/drawing/2014/main" id="{560AFAAC-EA6C-45A9-9E03-C9C9F0193B4F}"/>
+              </a:ext>
+              <a:ext uri="{C183D7F6-B498-43B3-948B-1728B52AA6E4}">
+                <adec:decorative xmlns:adec="http://schemas.microsoft.com/office/drawing/2017/decorative" val="1"/>
+              </a:ext>
+            </a:extLst>
+          </p:cNvPr>
+          <p:cNvSpPr>
+            <a:spLocks noGrp="1" noRot="1" noChangeAspect="1" noMove="1" noResize="1" noEditPoints="1" noAdjustHandles="1" noChangeArrowheads="1" noChangeShapeType="1" noTextEdit="1"/>
+          </p:cNvSpPr>
+          <p:nvPr>
+            <p:extLst>
+              <p:ext uri="{386F3935-93C4-4BCD-93E2-E3B085C9AB24}">
+                <p16:designElem xmlns:p16="http://schemas.microsoft.com/office/powerpoint/2015/main" val="1"/>
+              </p:ext>
+            </p:extLst>
+          </p:nvPr>
+        </p:nvSpPr>
+        <p:spPr>
+          <a:xfrm>
+            <a:off x="0" y="0"/>
+            <a:ext cx="12192000" cy="6858000"/>
+          </a:xfrm>
+          <a:prstGeom prst="rect">
+            <a:avLst/>
+          </a:prstGeom>
+          <a:ln>
+            <a:noFill/>
+          </a:ln>
+        </p:spPr>
+        <p:style>
+          <a:lnRef idx="2">
+            <a:schemeClr val="accent1">
+              <a:shade val="50000"/>
+            </a:schemeClr>
+          </a:lnRef>
+          <a:fillRef idx="1">
+            <a:schemeClr val="accent1"/>
+          </a:fillRef>
+          <a:effectRef idx="0">
+            <a:schemeClr val="accent1"/>
+          </a:effectRef>
+          <a:fontRef idx="minor">
+            <a:schemeClr val="lt1"/>
+          </a:fontRef>
+        </p:style>
+        <p:txBody>
+          <a:bodyPr rtlCol="0" anchor="ctr"/>
+          <a:lstStyle/>
+          <a:p>
+            <a:pPr algn="ctr"/>
+            <a:endParaRPr lang="en-US"/>
+          </a:p>
+        </p:txBody>
+      </p:sp>
+      <p:pic>
+        <p:nvPicPr>
+          <p:cNvPr id="5" name="Picture 4" descr="Machine in a laboratory">
+            <a:extLst>
+              <a:ext uri="{FF2B5EF4-FFF2-40B4-BE49-F238E27FC236}">
+                <a16:creationId xmlns:a16="http://schemas.microsoft.com/office/drawing/2014/main" id="{A52BFCEF-DB9B-0844-15EC-1DEC20D6742C}"/>
+              </a:ext>
+            </a:extLst>
+          </p:cNvPr>
+          <p:cNvPicPr>
+            <a:picLocks noChangeAspect="1"/>
+          </p:cNvPicPr>
+          <p:nvPr/>
+        </p:nvPicPr>
+        <p:blipFill>
+          <a:blip r:embed="rId2">
+            <a:extLst>
+              <a:ext uri="{28A0092B-C50C-407E-A947-70E740481C1C}">
+                <a14:useLocalDpi xmlns:a14="http://schemas.microsoft.com/office/drawing/2010/main" val="0"/>
+              </a:ext>
+            </a:extLst>
+          </a:blip>
+          <a:srcRect l="17777" r="11082" b="-1"/>
+          <a:stretch/>
+        </p:blipFill>
+        <p:spPr>
+          <a:xfrm>
+            <a:off x="4883022" y="10"/>
+            <a:ext cx="7308978" cy="6857990"/>
+          </a:xfrm>
+          <a:custGeom>
+            <a:avLst/>
+            <a:gdLst/>
+            <a:ahLst/>
+            <a:cxnLst/>
+            <a:rect l="l" t="t" r="r" b="b"/>
+            <a:pathLst>
+              <a:path w="7308978" h="6858000">
+                <a:moveTo>
+                  <a:pt x="0" y="0"/>
+                </a:moveTo>
+                <a:lnTo>
+                  <a:pt x="7308978" y="0"/>
+                </a:lnTo>
+                <a:lnTo>
+                  <a:pt x="7308978" y="6858000"/>
+                </a:lnTo>
+                <a:lnTo>
+                  <a:pt x="0" y="6858000"/>
+                </a:lnTo>
+                <a:lnTo>
+                  <a:pt x="62983" y="6788730"/>
+                </a:lnTo>
+                <a:cubicBezTo>
+                  <a:pt x="773509" y="5928900"/>
+                  <a:pt x="1212978" y="4741056"/>
+                  <a:pt x="1212978" y="3429000"/>
+                </a:cubicBezTo>
+                <a:cubicBezTo>
+                  <a:pt x="1212978" y="2116944"/>
+                  <a:pt x="773509" y="929100"/>
+                  <a:pt x="62983" y="69271"/>
+                </a:cubicBezTo>
+                <a:close/>
+              </a:path>
+            </a:pathLst>
+          </a:custGeom>
+        </p:spPr>
+      </p:pic>
+      <p:sp useBgFill="1">
+        <p:nvSpPr>
+          <p:cNvPr id="17" name="Freeform: Shape 16">
+            <a:extLst>
+              <a:ext uri="{FF2B5EF4-FFF2-40B4-BE49-F238E27FC236}">
+                <a16:creationId xmlns:a16="http://schemas.microsoft.com/office/drawing/2014/main" id="{83549E37-C86B-4401-90BD-D8BF83859F14}"/>
+              </a:ext>
+              <a:ext uri="{C183D7F6-B498-43B3-948B-1728B52AA6E4}">
+                <adec:decorative xmlns:adec="http://schemas.microsoft.com/office/drawing/2017/decorative" val="1"/>
+              </a:ext>
+            </a:extLst>
+          </p:cNvPr>
+          <p:cNvSpPr>
+            <a:spLocks noGrp="1" noRot="1" noChangeAspect="1" noMove="1" noResize="1" noEditPoints="1" noAdjustHandles="1" noChangeArrowheads="1" noChangeShapeType="1" noTextEdit="1"/>
+          </p:cNvSpPr>
+          <p:nvPr>
+            <p:extLst>
+              <p:ext uri="{386F3935-93C4-4BCD-93E2-E3B085C9AB24}">
+                <p16:designElem xmlns:p16="http://schemas.microsoft.com/office/powerpoint/2015/main" val="1"/>
+              </p:ext>
+            </p:extLst>
+          </p:nvPr>
+        </p:nvSpPr>
+        <p:spPr>
+          <a:xfrm>
+            <a:off x="0" y="0"/>
+            <a:ext cx="6096001" cy="6858000"/>
+          </a:xfrm>
+          <a:custGeom>
+            <a:avLst/>
+            <a:gdLst>
+              <a:gd name="connsiteX0" fmla="*/ 0 w 6096001"/>
+              <a:gd name="connsiteY0" fmla="*/ 0 h 6858000"/>
+              <a:gd name="connsiteX1" fmla="*/ 4883023 w 6096001"/>
+              <a:gd name="connsiteY1" fmla="*/ 0 h 6858000"/>
+              <a:gd name="connsiteX2" fmla="*/ 4946006 w 6096001"/>
+              <a:gd name="connsiteY2" fmla="*/ 69271 h 6858000"/>
+              <a:gd name="connsiteX3" fmla="*/ 6096001 w 6096001"/>
+              <a:gd name="connsiteY3" fmla="*/ 3429000 h 6858000"/>
+              <a:gd name="connsiteX4" fmla="*/ 4946006 w 6096001"/>
+              <a:gd name="connsiteY4" fmla="*/ 6788730 h 6858000"/>
+              <a:gd name="connsiteX5" fmla="*/ 4883023 w 6096001"/>
+              <a:gd name="connsiteY5" fmla="*/ 6858000 h 6858000"/>
+              <a:gd name="connsiteX6" fmla="*/ 0 w 6096001"/>
+              <a:gd name="connsiteY6" fmla="*/ 6858000 h 6858000"/>
+            </a:gdLst>
+            <a:ahLst/>
+            <a:cxnLst>
+              <a:cxn ang="0">
+                <a:pos x="connsiteX0" y="connsiteY0"/>
+              </a:cxn>
+              <a:cxn ang="0">
+                <a:pos x="connsiteX1" y="connsiteY1"/>
+              </a:cxn>
+              <a:cxn ang="0">
+                <a:pos x="connsiteX2" y="connsiteY2"/>
+              </a:cxn>
+              <a:cxn ang="0">
+                <a:pos x="connsiteX3" y="connsiteY3"/>
+              </a:cxn>
+              <a:cxn ang="0">
+                <a:pos x="connsiteX4" y="connsiteY4"/>
+              </a:cxn>
+              <a:cxn ang="0">
+                <a:pos x="connsiteX5" y="connsiteY5"/>
+              </a:cxn>
+              <a:cxn ang="0">
+                <a:pos x="connsiteX6" y="connsiteY6"/>
+              </a:cxn>
+            </a:cxnLst>
+            <a:rect l="l" t="t" r="r" b="b"/>
+            <a:pathLst>
+              <a:path w="6096001" h="6858000">
+                <a:moveTo>
+                  <a:pt x="0" y="0"/>
+                </a:moveTo>
+                <a:lnTo>
+                  <a:pt x="4883023" y="0"/>
+                </a:lnTo>
+                <a:lnTo>
+                  <a:pt x="4946006" y="69271"/>
+                </a:lnTo>
+                <a:cubicBezTo>
+                  <a:pt x="5656532" y="929100"/>
+                  <a:pt x="6096001" y="2116944"/>
+                  <a:pt x="6096001" y="3429000"/>
+                </a:cubicBezTo>
+                <a:cubicBezTo>
+                  <a:pt x="6096001" y="4741056"/>
+                  <a:pt x="5656532" y="5928900"/>
+                  <a:pt x="4946006" y="6788730"/>
+                </a:cubicBezTo>
+                <a:lnTo>
+                  <a:pt x="4883023" y="6858000"/>
+                </a:lnTo>
+                <a:lnTo>
+                  <a:pt x="0" y="6858000"/>
+                </a:lnTo>
+                <a:close/>
+              </a:path>
+            </a:pathLst>
+          </a:custGeom>
+          <a:ln w="9525">
+            <a:solidFill>
+              <a:srgbClr val="EFEFEF"/>
+            </a:solidFill>
+          </a:ln>
+          <a:effectLst>
+            <a:outerShdw blurRad="50800" dist="38100" algn="l" rotWithShape="0">
+              <a:schemeClr val="bg1">
+                <a:lumMod val="85000"/>
+                <a:alpha val="30000"/>
+              </a:schemeClr>
+            </a:outerShdw>
+          </a:effectLst>
+        </p:spPr>
+        <p:style>
+          <a:lnRef idx="2">
+            <a:schemeClr val="accent1">
+              <a:shade val="50000"/>
+            </a:schemeClr>
+          </a:lnRef>
+          <a:fillRef idx="1">
+            <a:schemeClr val="accent1"/>
+          </a:fillRef>
+          <a:effectRef idx="0">
+            <a:schemeClr val="accent1"/>
+          </a:effectRef>
+          <a:fontRef idx="minor">
+            <a:schemeClr val="lt1"/>
+          </a:fontRef>
+        </p:style>
+        <p:txBody>
+          <a:bodyPr wrap="square" rtlCol="0" anchor="ctr">
+            <a:noAutofit/>
+          </a:bodyPr>
+          <a:lstStyle/>
+          <a:p>
+            <a:pPr marL="0" marR="0" lvl="0" indent="0" algn="ctr" defTabSz="914400" rtl="0" eaLnBrk="1" fontAlgn="auto" latinLnBrk="0" hangingPunct="1">
+              <a:lnSpc>
+                <a:spcPct val="100000"/>
+              </a:lnSpc>
+              <a:spcBef>
+                <a:spcPts val="0"/>
+              </a:spcBef>
+              <a:spcAft>
+                <a:spcPts val="0"/>
+              </a:spcAft>
+              <a:buClrTx/>
+              <a:buSzTx/>
+              <a:buFontTx/>
+              <a:buNone/>
+              <a:tabLst/>
+              <a:defRPr/>
+            </a:pPr>
+            <a:endParaRPr kumimoji="0" lang="en-US" sz="1800" b="0" i="0" u="none" strike="noStrike" kern="1200" cap="none" spc="0" normalizeH="0" baseline="0" noProof="0">
+              <a:ln>
+                <a:noFill/>
+              </a:ln>
+              <a:solidFill>
+                <a:prstClr val="white"/>
+              </a:solidFill>
+              <a:effectLst/>
+              <a:uLnTx/>
+              <a:uFillTx/>
+              <a:latin typeface="Calibri" panose="020F0502020204030204"/>
+              <a:ea typeface="+mn-ea"/>
+              <a:cs typeface="+mn-cs"/>
+            </a:endParaRPr>
+          </a:p>
+        </p:txBody>
+      </p:sp>
+      <p:sp useBgFill="1">
+        <p:nvSpPr>
+          <p:cNvPr id="14" name="Freeform: Shape 13">
+            <a:extLst>
+              <a:ext uri="{FF2B5EF4-FFF2-40B4-BE49-F238E27FC236}">
+                <a16:creationId xmlns:a16="http://schemas.microsoft.com/office/drawing/2014/main" id="{8A17784E-76D8-4521-A77D-0D2EBB923004}"/>
+              </a:ext>
+              <a:ext uri="{C183D7F6-B498-43B3-948B-1728B52AA6E4}">
+                <adec:decorative xmlns:adec="http://schemas.microsoft.com/office/drawing/2017/decorative" val="1"/>
+              </a:ext>
+            </a:extLst>
+          </p:cNvPr>
+          <p:cNvSpPr>
+            <a:spLocks noGrp="1" noRot="1" noChangeAspect="1" noMove="1" noResize="1" noEditPoints="1" noAdjustHandles="1" noChangeArrowheads="1" noChangeShapeType="1" noTextEdit="1"/>
+          </p:cNvSpPr>
+          <p:nvPr>
+            <p:extLst>
+              <p:ext uri="{386F3935-93C4-4BCD-93E2-E3B085C9AB24}">
+                <p16:designElem xmlns:p16="http://schemas.microsoft.com/office/powerpoint/2015/main" val="1"/>
+              </p:ext>
+            </p:extLst>
+          </p:nvPr>
+        </p:nvSpPr>
+        <p:spPr>
+          <a:xfrm>
+            <a:off x="0" y="0"/>
+            <a:ext cx="6086857" cy="6858000"/>
+          </a:xfrm>
+          <a:custGeom>
+            <a:avLst/>
+            <a:gdLst>
+              <a:gd name="connsiteX0" fmla="*/ 0 w 6086857"/>
+              <a:gd name="connsiteY0" fmla="*/ 0 h 6858000"/>
+              <a:gd name="connsiteX1" fmla="*/ 4873879 w 6086857"/>
+              <a:gd name="connsiteY1" fmla="*/ 0 h 6858000"/>
+              <a:gd name="connsiteX2" fmla="*/ 4936862 w 6086857"/>
+              <a:gd name="connsiteY2" fmla="*/ 69271 h 6858000"/>
+              <a:gd name="connsiteX3" fmla="*/ 6086857 w 6086857"/>
+              <a:gd name="connsiteY3" fmla="*/ 3429000 h 6858000"/>
+              <a:gd name="connsiteX4" fmla="*/ 4936862 w 6086857"/>
+              <a:gd name="connsiteY4" fmla="*/ 6788730 h 6858000"/>
+              <a:gd name="connsiteX5" fmla="*/ 4873879 w 6086857"/>
+              <a:gd name="connsiteY5" fmla="*/ 6858000 h 6858000"/>
+              <a:gd name="connsiteX6" fmla="*/ 0 w 6086857"/>
+              <a:gd name="connsiteY6" fmla="*/ 6858000 h 6858000"/>
+            </a:gdLst>
+            <a:ahLst/>
+            <a:cxnLst>
+              <a:cxn ang="0">
+                <a:pos x="connsiteX0" y="connsiteY0"/>
+              </a:cxn>
+              <a:cxn ang="0">
+                <a:pos x="connsiteX1" y="connsiteY1"/>
+              </a:cxn>
+              <a:cxn ang="0">
+                <a:pos x="connsiteX2" y="connsiteY2"/>
+              </a:cxn>
+              <a:cxn ang="0">
+                <a:pos x="connsiteX3" y="connsiteY3"/>
+              </a:cxn>
+              <a:cxn ang="0">
+                <a:pos x="connsiteX4" y="connsiteY4"/>
+              </a:cxn>
+              <a:cxn ang="0">
+                <a:pos x="connsiteX5" y="connsiteY5"/>
+              </a:cxn>
+              <a:cxn ang="0">
+                <a:pos x="connsiteX6" y="connsiteY6"/>
+              </a:cxn>
+            </a:cxnLst>
+            <a:rect l="l" t="t" r="r" b="b"/>
+            <a:pathLst>
+              <a:path w="6086857" h="6858000">
+                <a:moveTo>
+                  <a:pt x="0" y="0"/>
+                </a:moveTo>
+                <a:lnTo>
+                  <a:pt x="4873879" y="0"/>
+                </a:lnTo>
+                <a:lnTo>
+                  <a:pt x="4936862" y="69271"/>
+                </a:lnTo>
+                <a:cubicBezTo>
+                  <a:pt x="5647388" y="929100"/>
+                  <a:pt x="6086857" y="2116944"/>
+                  <a:pt x="6086857" y="3429000"/>
+                </a:cubicBezTo>
+                <a:cubicBezTo>
+                  <a:pt x="6086857" y="4741056"/>
+                  <a:pt x="5647388" y="5928900"/>
+                  <a:pt x="4936862" y="6788730"/>
+                </a:cubicBezTo>
+                <a:lnTo>
+                  <a:pt x="4873879" y="6858000"/>
+                </a:lnTo>
+                <a:lnTo>
+                  <a:pt x="0" y="6858000"/>
+                </a:lnTo>
+                <a:close/>
+              </a:path>
+            </a:pathLst>
+          </a:custGeom>
+          <a:ln w="9525">
+            <a:noFill/>
+          </a:ln>
+          <a:effectLst/>
+        </p:spPr>
+        <p:style>
+          <a:lnRef idx="2">
+            <a:schemeClr val="accent1">
+              <a:shade val="50000"/>
+            </a:schemeClr>
+          </a:lnRef>
+          <a:fillRef idx="1">
+            <a:schemeClr val="accent1"/>
+          </a:fillRef>
+          <a:effectRef idx="0">
+            <a:schemeClr val="accent1"/>
+          </a:effectRef>
+          <a:fontRef idx="minor">
+            <a:schemeClr val="lt1"/>
+          </a:fontRef>
+        </p:style>
+        <p:txBody>
+          <a:bodyPr wrap="square" rtlCol="0" anchor="ctr">
+            <a:noAutofit/>
+          </a:bodyPr>
+          <a:lstStyle/>
+          <a:p>
+            <a:pPr marL="0" marR="0" lvl="0" indent="0" algn="ctr" defTabSz="914400" rtl="0" eaLnBrk="1" fontAlgn="auto" latinLnBrk="0" hangingPunct="1">
+              <a:lnSpc>
+                <a:spcPct val="100000"/>
+              </a:lnSpc>
+              <a:spcBef>
+                <a:spcPts val="0"/>
+              </a:spcBef>
+              <a:spcAft>
+                <a:spcPts val="0"/>
+              </a:spcAft>
+              <a:buClrTx/>
+              <a:buSzTx/>
+              <a:buFontTx/>
+              <a:buNone/>
+              <a:tabLst/>
+              <a:defRPr/>
+            </a:pPr>
+            <a:endParaRPr kumimoji="0" lang="en-US" sz="1800" b="0" i="0" u="none" strike="noStrike" kern="1200" cap="none" spc="0" normalizeH="0" baseline="0" noProof="0">
+              <a:ln>
+                <a:noFill/>
+              </a:ln>
+              <a:solidFill>
+                <a:prstClr val="white"/>
+              </a:solidFill>
+              <a:effectLst/>
+              <a:uLnTx/>
+              <a:uFillTx/>
+              <a:latin typeface="Calibri" panose="020F0502020204030204"/>
+              <a:ea typeface="+mn-ea"/>
+              <a:cs typeface="+mn-cs"/>
+            </a:endParaRPr>
+          </a:p>
+        </p:txBody>
+      </p:sp>
       <p:sp>
         <p:nvSpPr>
           <p:cNvPr id="2" name="Title 1">
             <a:extLst>
               <a:ext uri="{FF2B5EF4-FFF2-40B4-BE49-F238E27FC236}">
-                <a16:creationId xmlns:a16="http://schemas.microsoft.com/office/drawing/2014/main" id="{99799971-241A-C968-C860-5199DAA4A5F5}"/>
+                <a16:creationId xmlns:a16="http://schemas.microsoft.com/office/drawing/2014/main" id="{1C5CBE7E-D660-1896-166E-B237DB6D3F51}"/>
               </a:ext>
             </a:extLst>
           </p:cNvPr>
@@ -14313,89 +15578,263 @@
             <p:ph type="title"/>
           </p:nvPr>
         </p:nvSpPr>
-        <p:spPr/>
+        <p:spPr>
+          <a:xfrm>
+            <a:off x="374904" y="856488"/>
+            <a:ext cx="4992624" cy="1243584"/>
+          </a:xfrm>
+        </p:spPr>
         <p:txBody>
-          <a:bodyPr/>
+          <a:bodyPr anchor="ctr">
+            <a:normAutofit/>
+          </a:bodyPr>
           <a:lstStyle/>
           <a:p>
             <a:r>
-              <a:rPr lang="en-US" dirty="0"/>
-              <a:t>Advanced features</a:t>
+              <a:rPr lang="en-US" sz="3400"/>
+              <a:t>Build and publish the module</a:t>
             </a:r>
           </a:p>
         </p:txBody>
       </p:sp>
-      <p:graphicFrame>
-        <p:nvGraphicFramePr>
-          <p:cNvPr id="4" name="Content Placeholder 3">
+      <p:sp>
+        <p:nvSpPr>
+          <p:cNvPr id="16" name="Rectangle 15">
             <a:extLst>
               <a:ext uri="{FF2B5EF4-FFF2-40B4-BE49-F238E27FC236}">
-                <a16:creationId xmlns:a16="http://schemas.microsoft.com/office/drawing/2014/main" id="{BF7208B5-BFAD-D907-E598-CE1D7EE65C77}"/>
+                <a16:creationId xmlns:a16="http://schemas.microsoft.com/office/drawing/2014/main" id="{C0036C6B-F09C-4EAB-AE02-8D056EE74856}"/>
+              </a:ext>
+              <a:ext uri="{C183D7F6-B498-43B3-948B-1728B52AA6E4}">
+                <adec:decorative xmlns:adec="http://schemas.microsoft.com/office/drawing/2017/decorative" val="1"/>
               </a:ext>
             </a:extLst>
           </p:cNvPr>
-          <p:cNvGraphicFramePr>
-            <a:graphicFrameLocks noGrp="1"/>
-          </p:cNvGraphicFramePr>
+          <p:cNvSpPr>
+            <a:spLocks noGrp="1" noRot="1" noChangeAspect="1" noMove="1" noResize="1" noEditPoints="1" noAdjustHandles="1" noChangeArrowheads="1" noChangeShapeType="1" noTextEdit="1"/>
+          </p:cNvSpPr>
           <p:nvPr>
-            <p:ph idx="1"/>
             <p:extLst>
-              <p:ext uri="{D42A27DB-BD31-4B8C-83A1-F6EECF244321}">
-                <p14:modId xmlns:p14="http://schemas.microsoft.com/office/powerpoint/2010/main" val="4045469998"/>
+              <p:ext uri="{386F3935-93C4-4BCD-93E2-E3B085C9AB24}">
+                <p16:designElem xmlns:p16="http://schemas.microsoft.com/office/powerpoint/2015/main" val="1"/>
               </p:ext>
             </p:extLst>
           </p:nvPr>
-        </p:nvGraphicFramePr>
-        <p:xfrm>
-          <a:off x="838200" y="1825625"/>
-          <a:ext cx="10515600" cy="4351338"/>
-        </p:xfrm>
-        <a:graphic>
-          <a:graphicData uri="http://schemas.openxmlformats.org/drawingml/2006/diagram">
-            <dgm:relIds xmlns:dgm="http://schemas.openxmlformats.org/drawingml/2006/diagram" xmlns:r="http://schemas.openxmlformats.org/officeDocument/2006/relationships" r:dm="rId2" r:lo="rId3" r:qs="rId4" r:cs="rId5"/>
-          </a:graphicData>
-        </a:graphic>
-      </p:graphicFrame>
-      <p:pic>
-        <p:nvPicPr>
-          <p:cNvPr id="3" name="Picture 2">
-            <a:extLst>
-              <a:ext uri="{FF2B5EF4-FFF2-40B4-BE49-F238E27FC236}">
-                <a16:creationId xmlns:a16="http://schemas.microsoft.com/office/drawing/2014/main" id="{F4A1CD47-C51C-DC9C-7F0B-0EEE78EC7AC6}"/>
-              </a:ext>
-            </a:extLst>
-          </p:cNvPr>
-          <p:cNvPicPr>
-            <a:picLocks noChangeAspect="1"/>
-          </p:cNvPicPr>
-          <p:nvPr/>
-        </p:nvPicPr>
-        <p:blipFill>
-          <a:blip r:embed="rId7">
-            <a:extLst>
-              <a:ext uri="{28A0092B-C50C-407E-A947-70E740481C1C}">
-                <a14:useLocalDpi xmlns:a14="http://schemas.microsoft.com/office/drawing/2010/main" val="0"/>
-              </a:ext>
-            </a:extLst>
-          </a:blip>
-          <a:stretch>
-            <a:fillRect/>
-          </a:stretch>
-        </p:blipFill>
+        </p:nvSpPr>
         <p:spPr>
           <a:xfrm>
-            <a:off x="10823675" y="324295"/>
-            <a:ext cx="1119373" cy="877824"/>
+            <a:off x="0" y="1124325"/>
+            <a:ext cx="128016" cy="653903"/>
           </a:xfrm>
           <a:prstGeom prst="rect">
             <a:avLst/>
           </a:prstGeom>
+          <a:solidFill>
+            <a:schemeClr val="accent2"/>
+          </a:solidFill>
+          <a:ln>
+            <a:noFill/>
+          </a:ln>
         </p:spPr>
-      </p:pic>
+        <p:style>
+          <a:lnRef idx="2">
+            <a:schemeClr val="accent1">
+              <a:shade val="50000"/>
+            </a:schemeClr>
+          </a:lnRef>
+          <a:fillRef idx="1">
+            <a:schemeClr val="accent1"/>
+          </a:fillRef>
+          <a:effectRef idx="0">
+            <a:schemeClr val="accent1"/>
+          </a:effectRef>
+          <a:fontRef idx="minor">
+            <a:schemeClr val="lt1"/>
+          </a:fontRef>
+        </p:style>
+        <p:txBody>
+          <a:bodyPr rtlCol="0" anchor="ctr"/>
+          <a:lstStyle/>
+          <a:p>
+            <a:pPr algn="ctr"/>
+            <a:endParaRPr lang="en-US">
+              <a:solidFill>
+                <a:prstClr val="white"/>
+              </a:solidFill>
+              <a:latin typeface="Calibri" panose="020F0502020204030204"/>
+            </a:endParaRPr>
+          </a:p>
+        </p:txBody>
+      </p:sp>
+      <p:sp>
+        <p:nvSpPr>
+          <p:cNvPr id="18" name="Rectangle 17">
+            <a:extLst>
+              <a:ext uri="{FF2B5EF4-FFF2-40B4-BE49-F238E27FC236}">
+                <a16:creationId xmlns:a16="http://schemas.microsoft.com/office/drawing/2014/main" id="{FC8D5885-2804-4D3C-BE31-902E4D3279B0}"/>
+              </a:ext>
+              <a:ext uri="{C183D7F6-B498-43B3-948B-1728B52AA6E4}">
+                <adec:decorative xmlns:adec="http://schemas.microsoft.com/office/drawing/2017/decorative" val="1"/>
+              </a:ext>
+            </a:extLst>
+          </p:cNvPr>
+          <p:cNvSpPr>
+            <a:spLocks noGrp="1" noRot="1" noChangeAspect="1" noMove="1" noResize="1" noEditPoints="1" noAdjustHandles="1" noChangeArrowheads="1" noChangeShapeType="1" noTextEdit="1"/>
+          </p:cNvSpPr>
+          <p:nvPr>
+            <p:extLst>
+              <p:ext uri="{386F3935-93C4-4BCD-93E2-E3B085C9AB24}">
+                <p16:designElem xmlns:p16="http://schemas.microsoft.com/office/powerpoint/2015/main" val="1"/>
+              </p:ext>
+            </p:extLst>
+          </p:nvPr>
+        </p:nvSpPr>
+        <p:spPr>
+          <a:xfrm>
+            <a:off x="437769" y="2195336"/>
+            <a:ext cx="4983480" cy="18288"/>
+          </a:xfrm>
+          <a:prstGeom prst="rect">
+            <a:avLst/>
+          </a:prstGeom>
+          <a:solidFill>
+            <a:srgbClr val="D5D5D5"/>
+          </a:solidFill>
+          <a:ln w="3175">
+            <a:noFill/>
+          </a:ln>
+          <a:effectLst/>
+        </p:spPr>
+        <p:style>
+          <a:lnRef idx="2">
+            <a:schemeClr val="accent1">
+              <a:shade val="50000"/>
+            </a:schemeClr>
+          </a:lnRef>
+          <a:fillRef idx="1">
+            <a:schemeClr val="accent1"/>
+          </a:fillRef>
+          <a:effectRef idx="0">
+            <a:schemeClr val="accent1"/>
+          </a:effectRef>
+          <a:fontRef idx="minor">
+            <a:schemeClr val="lt1"/>
+          </a:fontRef>
+        </p:style>
+        <p:txBody>
+          <a:bodyPr rtlCol="0" anchor="ctr"/>
+          <a:lstStyle/>
+          <a:p>
+            <a:pPr algn="ctr"/>
+            <a:endParaRPr lang="en-US">
+              <a:solidFill>
+                <a:prstClr val="white"/>
+              </a:solidFill>
+              <a:latin typeface="Calibri" panose="020F0502020204030204"/>
+            </a:endParaRPr>
+          </a:p>
+        </p:txBody>
+      </p:sp>
+      <p:sp>
+        <p:nvSpPr>
+          <p:cNvPr id="3" name="Content Placeholder 2">
+            <a:extLst>
+              <a:ext uri="{FF2B5EF4-FFF2-40B4-BE49-F238E27FC236}">
+                <a16:creationId xmlns:a16="http://schemas.microsoft.com/office/drawing/2014/main" id="{1E32075D-696B-77E8-34DB-A684A74018CB}"/>
+              </a:ext>
+            </a:extLst>
+          </p:cNvPr>
+          <p:cNvSpPr>
+            <a:spLocks noGrp="1"/>
+          </p:cNvSpPr>
+          <p:nvPr>
+            <p:ph idx="1"/>
+          </p:nvPr>
+        </p:nvSpPr>
+        <p:spPr>
+          <a:xfrm>
+            <a:off x="374904" y="2522949"/>
+            <a:ext cx="5065776" cy="3402363"/>
+          </a:xfrm>
+        </p:spPr>
+        <p:txBody>
+          <a:bodyPr anchor="t">
+            <a:normAutofit/>
+          </a:bodyPr>
+          <a:lstStyle/>
+          <a:p>
+            <a:r>
+              <a:rPr lang="en-US" sz="2000" dirty="0"/>
+              <a:t>Export-</a:t>
+            </a:r>
+            <a:r>
+              <a:rPr lang="en-US" sz="2000" dirty="0" err="1"/>
+              <a:t>CrescendoModule</a:t>
+            </a:r>
+            <a:endParaRPr lang="en-US" sz="2000" dirty="0"/>
+          </a:p>
+          <a:p>
+            <a:pPr lvl="1"/>
+            <a:r>
+              <a:rPr lang="en-US" sz="2000" dirty="0" err="1"/>
+              <a:t>NoClobber</a:t>
+            </a:r>
+            <a:r>
+              <a:rPr lang="en-US" sz="2000" dirty="0"/>
+              <a:t> option</a:t>
+            </a:r>
+          </a:p>
+          <a:p>
+            <a:r>
+              <a:rPr lang="en-US" sz="2000" dirty="0"/>
+              <a:t>Prepare your module for distribution</a:t>
+            </a:r>
+          </a:p>
+          <a:p>
+            <a:pPr lvl="1"/>
+            <a:r>
+              <a:rPr lang="en-US" sz="2000" dirty="0"/>
+              <a:t>Include any files that the end-user needs</a:t>
+            </a:r>
+          </a:p>
+          <a:p>
+            <a:pPr lvl="1"/>
+            <a:r>
+              <a:rPr lang="en-US" sz="2000" dirty="0"/>
+              <a:t>Edit PSD1 file as necessary (Version, </a:t>
+            </a:r>
+            <a:r>
+              <a:rPr lang="en-US" sz="2000" dirty="0" err="1"/>
+              <a:t>HelpUri</a:t>
+            </a:r>
+            <a:r>
+              <a:rPr lang="en-US" sz="2000" dirty="0"/>
+              <a:t>, Compatibility, etc.)</a:t>
+            </a:r>
+          </a:p>
+          <a:p>
+            <a:pPr lvl="1"/>
+            <a:r>
+              <a:rPr lang="en-US" sz="2000" dirty="0"/>
+              <a:t>See requirements for </a:t>
+            </a:r>
+            <a:r>
+              <a:rPr lang="en-US" sz="2000" dirty="0" err="1"/>
+              <a:t>PSGallery</a:t>
+            </a:r>
+            <a:endParaRPr lang="en-US" sz="2000" dirty="0"/>
+          </a:p>
+          <a:p>
+            <a:r>
+              <a:rPr lang="en-US" sz="2000" dirty="0"/>
+              <a:t>Finding Crescendo modules</a:t>
+            </a:r>
+          </a:p>
+        </p:txBody>
+      </p:sp>
     </p:spTree>
     <p:extLst>
       <p:ext uri="{BB962C8B-B14F-4D97-AF65-F5344CB8AC3E}">
-        <p14:creationId xmlns:p14="http://schemas.microsoft.com/office/powerpoint/2010/main" val="978501252"/>
+        <p14:creationId xmlns:p14="http://schemas.microsoft.com/office/powerpoint/2010/main" val="1333003313"/>
       </p:ext>
     </p:extLst>
   </p:cSld>
@@ -14427,7 +15866,7 @@
           <p:cNvPr id="2" name="Title 1">
             <a:extLst>
               <a:ext uri="{FF2B5EF4-FFF2-40B4-BE49-F238E27FC236}">
-                <a16:creationId xmlns:a16="http://schemas.microsoft.com/office/drawing/2014/main" id="{785D716D-06A9-3C00-69F3-23D9A68FB207}"/>
+                <a16:creationId xmlns:a16="http://schemas.microsoft.com/office/drawing/2014/main" id="{505BBB9F-CBAA-84CF-C946-8FAFBE90E80B}"/>
               </a:ext>
             </a:extLst>
           </p:cNvPr>
@@ -14443,39 +15882,84 @@
           <a:bodyPr/>
           <a:lstStyle/>
           <a:p>
-            <a:endParaRPr lang="en-US"/>
+            <a:r>
+              <a:rPr lang="en-US" dirty="0"/>
+              <a:t>Types output handlers</a:t>
+            </a:r>
           </a:p>
         </p:txBody>
       </p:sp>
-      <p:sp>
-        <p:nvSpPr>
-          <p:cNvPr id="3" name="Content Placeholder 2">
+      <p:graphicFrame>
+        <p:nvGraphicFramePr>
+          <p:cNvPr id="6" name="Content Placeholder 5">
             <a:extLst>
               <a:ext uri="{FF2B5EF4-FFF2-40B4-BE49-F238E27FC236}">
-                <a16:creationId xmlns:a16="http://schemas.microsoft.com/office/drawing/2014/main" id="{B1A166A3-4CAB-EC36-8233-D5A88DC46AF7}"/>
+                <a16:creationId xmlns:a16="http://schemas.microsoft.com/office/drawing/2014/main" id="{5412EADD-55DA-095E-374C-5D76B4514FB0}"/>
               </a:ext>
             </a:extLst>
           </p:cNvPr>
-          <p:cNvSpPr>
-            <a:spLocks noGrp="1"/>
-          </p:cNvSpPr>
+          <p:cNvGraphicFramePr>
+            <a:graphicFrameLocks noGrp="1"/>
+          </p:cNvGraphicFramePr>
           <p:nvPr>
             <p:ph idx="1"/>
+            <p:extLst>
+              <p:ext uri="{D42A27DB-BD31-4B8C-83A1-F6EECF244321}">
+                <p14:modId xmlns:p14="http://schemas.microsoft.com/office/powerpoint/2010/main" val="768722216"/>
+              </p:ext>
+            </p:extLst>
           </p:nvPr>
-        </p:nvSpPr>
-        <p:spPr/>
-        <p:txBody>
-          <a:bodyPr/>
-          <a:lstStyle/>
-          <a:p>
-            <a:endParaRPr lang="en-US"/>
-          </a:p>
-        </p:txBody>
-      </p:sp>
+        </p:nvGraphicFramePr>
+        <p:xfrm>
+          <a:off x="838200" y="1825625"/>
+          <a:ext cx="10515600" cy="4351338"/>
+        </p:xfrm>
+        <a:graphic>
+          <a:graphicData uri="http://schemas.openxmlformats.org/drawingml/2006/diagram">
+            <dgm:relIds xmlns:dgm="http://schemas.openxmlformats.org/drawingml/2006/diagram" xmlns:r="http://schemas.openxmlformats.org/officeDocument/2006/relationships" r:dm="rId3" r:lo="rId4" r:qs="rId5" r:cs="rId6"/>
+          </a:graphicData>
+        </a:graphic>
+      </p:graphicFrame>
+      <p:pic>
+        <p:nvPicPr>
+          <p:cNvPr id="3" name="Picture 2">
+            <a:extLst>
+              <a:ext uri="{FF2B5EF4-FFF2-40B4-BE49-F238E27FC236}">
+                <a16:creationId xmlns:a16="http://schemas.microsoft.com/office/drawing/2014/main" id="{090D1D2B-EB51-90D8-B745-326932BB80D2}"/>
+              </a:ext>
+            </a:extLst>
+          </p:cNvPr>
+          <p:cNvPicPr>
+            <a:picLocks noChangeAspect="1"/>
+          </p:cNvPicPr>
+          <p:nvPr/>
+        </p:nvPicPr>
+        <p:blipFill>
+          <a:blip r:embed="rId8">
+            <a:extLst>
+              <a:ext uri="{28A0092B-C50C-407E-A947-70E740481C1C}">
+                <a14:useLocalDpi xmlns:a14="http://schemas.microsoft.com/office/drawing/2010/main" val="0"/>
+              </a:ext>
+            </a:extLst>
+          </a:blip>
+          <a:stretch>
+            <a:fillRect/>
+          </a:stretch>
+        </p:blipFill>
+        <p:spPr>
+          <a:xfrm>
+            <a:off x="10823675" y="324295"/>
+            <a:ext cx="1119373" cy="877824"/>
+          </a:xfrm>
+          <a:prstGeom prst="rect">
+            <a:avLst/>
+          </a:prstGeom>
+        </p:spPr>
+      </p:pic>
     </p:spTree>
     <p:extLst>
       <p:ext uri="{BB962C8B-B14F-4D97-AF65-F5344CB8AC3E}">
-        <p14:creationId xmlns:p14="http://schemas.microsoft.com/office/powerpoint/2010/main" val="3300686777"/>
+        <p14:creationId xmlns:p14="http://schemas.microsoft.com/office/powerpoint/2010/main" val="1721939068"/>
       </p:ext>
     </p:extLst>
   </p:cSld>

--- a/pptfiles/CrescendoV2.pptx
+++ b/pptfiles/CrescendoV2.pptx
@@ -7498,7 +7498,7 @@
           <a:p>
             <a:fld id="{C52CA404-BA5F-4263-A878-03452F5C7821}" type="datetimeFigureOut">
               <a:rPr lang="en-US" smtClean="0"/>
-              <a:t>9/27/2024</a:t>
+              <a:t>9/30/2024</a:t>
             </a:fld>
             <a:endParaRPr lang="en-US"/>
           </a:p>
@@ -7917,6 +7917,90 @@
           <a:p>
             <a:fld id="{087148C5-844F-4B24-AF5D-AE4A32FED565}" type="slidenum">
               <a:rPr lang="en-US" smtClean="0"/>
+              <a:t>8</a:t>
+            </a:fld>
+            <a:endParaRPr lang="en-US"/>
+          </a:p>
+        </p:txBody>
+      </p:sp>
+    </p:spTree>
+    <p:extLst>
+      <p:ext uri="{BB962C8B-B14F-4D97-AF65-F5344CB8AC3E}">
+        <p14:creationId xmlns:p14="http://schemas.microsoft.com/office/powerpoint/2010/main" val="3396123139"/>
+      </p:ext>
+    </p:extLst>
+  </p:cSld>
+  <p:clrMapOvr>
+    <a:masterClrMapping/>
+  </p:clrMapOvr>
+</p:notes>
+</file>
+
+<file path=ppt/notesSlides/notesSlide3.xml><?xml version="1.0" encoding="utf-8"?>
+<p:notes xmlns:a="http://schemas.openxmlformats.org/drawingml/2006/main" xmlns:r="http://schemas.openxmlformats.org/officeDocument/2006/relationships" xmlns:p="http://schemas.openxmlformats.org/presentationml/2006/main">
+  <p:cSld>
+    <p:spTree>
+      <p:nvGrpSpPr>
+        <p:cNvPr id="1" name=""/>
+        <p:cNvGrpSpPr/>
+        <p:nvPr/>
+      </p:nvGrpSpPr>
+      <p:grpSpPr>
+        <a:xfrm>
+          <a:off x="0" y="0"/>
+          <a:ext cx="0" cy="0"/>
+          <a:chOff x="0" y="0"/>
+          <a:chExt cx="0" cy="0"/>
+        </a:xfrm>
+      </p:grpSpPr>
+      <p:sp>
+        <p:nvSpPr>
+          <p:cNvPr id="2" name="Slide Image Placeholder 1"/>
+          <p:cNvSpPr>
+            <a:spLocks noGrp="1" noRot="1" noChangeAspect="1"/>
+          </p:cNvSpPr>
+          <p:nvPr>
+            <p:ph type="sldImg"/>
+          </p:nvPr>
+        </p:nvSpPr>
+        <p:spPr/>
+      </p:sp>
+      <p:sp>
+        <p:nvSpPr>
+          <p:cNvPr id="3" name="Notes Placeholder 2"/>
+          <p:cNvSpPr>
+            <a:spLocks noGrp="1"/>
+          </p:cNvSpPr>
+          <p:nvPr>
+            <p:ph type="body" idx="1"/>
+          </p:nvPr>
+        </p:nvSpPr>
+        <p:spPr/>
+        <p:txBody>
+          <a:bodyPr/>
+          <a:lstStyle/>
+          <a:p>
+            <a:endParaRPr lang="en-US" dirty="0"/>
+          </a:p>
+        </p:txBody>
+      </p:sp>
+      <p:sp>
+        <p:nvSpPr>
+          <p:cNvPr id="4" name="Slide Number Placeholder 3"/>
+          <p:cNvSpPr>
+            <a:spLocks noGrp="1"/>
+          </p:cNvSpPr>
+          <p:nvPr>
+            <p:ph type="sldNum" sz="quarter" idx="5"/>
+          </p:nvPr>
+        </p:nvSpPr>
+        <p:spPr/>
+        <p:txBody>
+          <a:bodyPr/>
+          <a:lstStyle/>
+          <a:p>
+            <a:fld id="{087148C5-844F-4B24-AF5D-AE4A32FED565}" type="slidenum">
+              <a:rPr lang="en-US" smtClean="0"/>
               <a:t>9</a:t>
             </a:fld>
             <a:endParaRPr lang="en-US"/>
@@ -7936,7 +8020,7 @@
 </p:notes>
 </file>
 
-<file path=ppt/notesSlides/notesSlide3.xml><?xml version="1.0" encoding="utf-8"?>
+<file path=ppt/notesSlides/notesSlide4.xml><?xml version="1.0" encoding="utf-8"?>
 <p:notes xmlns:a="http://schemas.openxmlformats.org/drawingml/2006/main" xmlns:r="http://schemas.openxmlformats.org/officeDocument/2006/relationships" xmlns:p="http://schemas.openxmlformats.org/presentationml/2006/main">
   <p:cSld>
     <p:spTree>
@@ -8167,7 +8251,7 @@
           <a:p>
             <a:fld id="{1C3BFB82-2031-4677-8DE5-A01013E16957}" type="datetimeFigureOut">
               <a:rPr lang="en-US" smtClean="0"/>
-              <a:t>9/27/2024</a:t>
+              <a:t>9/30/2024</a:t>
             </a:fld>
             <a:endParaRPr lang="en-US"/>
           </a:p>
@@ -8365,7 +8449,7 @@
           <a:p>
             <a:fld id="{1C3BFB82-2031-4677-8DE5-A01013E16957}" type="datetimeFigureOut">
               <a:rPr lang="en-US" smtClean="0"/>
-              <a:t>9/27/2024</a:t>
+              <a:t>9/30/2024</a:t>
             </a:fld>
             <a:endParaRPr lang="en-US"/>
           </a:p>
@@ -8573,7 +8657,7 @@
           <a:p>
             <a:fld id="{1C3BFB82-2031-4677-8DE5-A01013E16957}" type="datetimeFigureOut">
               <a:rPr lang="en-US" smtClean="0"/>
-              <a:t>9/27/2024</a:t>
+              <a:t>9/30/2024</a:t>
             </a:fld>
             <a:endParaRPr lang="en-US"/>
           </a:p>
@@ -8771,7 +8855,7 @@
           <a:p>
             <a:fld id="{1C3BFB82-2031-4677-8DE5-A01013E16957}" type="datetimeFigureOut">
               <a:rPr lang="en-US" smtClean="0"/>
-              <a:t>9/27/2024</a:t>
+              <a:t>9/30/2024</a:t>
             </a:fld>
             <a:endParaRPr lang="en-US"/>
           </a:p>
@@ -9046,7 +9130,7 @@
           <a:p>
             <a:fld id="{1C3BFB82-2031-4677-8DE5-A01013E16957}" type="datetimeFigureOut">
               <a:rPr lang="en-US" smtClean="0"/>
-              <a:t>9/27/2024</a:t>
+              <a:t>9/30/2024</a:t>
             </a:fld>
             <a:endParaRPr lang="en-US"/>
           </a:p>
@@ -9311,7 +9395,7 @@
           <a:p>
             <a:fld id="{1C3BFB82-2031-4677-8DE5-A01013E16957}" type="datetimeFigureOut">
               <a:rPr lang="en-US" smtClean="0"/>
-              <a:t>9/27/2024</a:t>
+              <a:t>9/30/2024</a:t>
             </a:fld>
             <a:endParaRPr lang="en-US"/>
           </a:p>
@@ -9723,7 +9807,7 @@
           <a:p>
             <a:fld id="{1C3BFB82-2031-4677-8DE5-A01013E16957}" type="datetimeFigureOut">
               <a:rPr lang="en-US" smtClean="0"/>
-              <a:t>9/27/2024</a:t>
+              <a:t>9/30/2024</a:t>
             </a:fld>
             <a:endParaRPr lang="en-US"/>
           </a:p>
@@ -9864,7 +9948,7 @@
           <a:p>
             <a:fld id="{1C3BFB82-2031-4677-8DE5-A01013E16957}" type="datetimeFigureOut">
               <a:rPr lang="en-US" smtClean="0"/>
-              <a:t>9/27/2024</a:t>
+              <a:t>9/30/2024</a:t>
             </a:fld>
             <a:endParaRPr lang="en-US"/>
           </a:p>
@@ -9977,7 +10061,7 @@
           <a:p>
             <a:fld id="{1C3BFB82-2031-4677-8DE5-A01013E16957}" type="datetimeFigureOut">
               <a:rPr lang="en-US" smtClean="0"/>
-              <a:t>9/27/2024</a:t>
+              <a:t>9/30/2024</a:t>
             </a:fld>
             <a:endParaRPr lang="en-US"/>
           </a:p>
@@ -10288,7 +10372,7 @@
           <a:p>
             <a:fld id="{1C3BFB82-2031-4677-8DE5-A01013E16957}" type="datetimeFigureOut">
               <a:rPr lang="en-US" smtClean="0"/>
-              <a:t>9/27/2024</a:t>
+              <a:t>9/30/2024</a:t>
             </a:fld>
             <a:endParaRPr lang="en-US"/>
           </a:p>
@@ -10576,7 +10660,7 @@
           <a:p>
             <a:fld id="{1C3BFB82-2031-4677-8DE5-A01013E16957}" type="datetimeFigureOut">
               <a:rPr lang="en-US" smtClean="0"/>
-              <a:t>9/27/2024</a:t>
+              <a:t>9/30/2024</a:t>
             </a:fld>
             <a:endParaRPr lang="en-US"/>
           </a:p>
@@ -10817,7 +10901,7 @@
           <a:p>
             <a:fld id="{1C3BFB82-2031-4677-8DE5-A01013E16957}" type="datetimeFigureOut">
               <a:rPr lang="en-US" smtClean="0"/>
-              <a:t>9/27/2024</a:t>
+              <a:t>9/30/2024</a:t>
             </a:fld>
             <a:endParaRPr lang="en-US"/>
           </a:p>
@@ -15173,7 +15257,7 @@
           <p:nvPr/>
         </p:nvPicPr>
         <p:blipFill>
-          <a:blip r:embed="rId2">
+          <a:blip r:embed="rId3">
             <a:extLst>
               <a:ext uri="{28A0092B-C50C-407E-A947-70E740481C1C}">
                 <a14:useLocalDpi xmlns:a14="http://schemas.microsoft.com/office/drawing/2010/main" val="0"/>
@@ -15773,17 +15857,6 @@
             <a:endParaRPr lang="en-US" sz="2000" dirty="0"/>
           </a:p>
           <a:p>
-            <a:pPr lvl="1"/>
-            <a:r>
-              <a:rPr lang="en-US" sz="2000" dirty="0" err="1"/>
-              <a:t>NoClobber</a:t>
-            </a:r>
-            <a:r>
-              <a:rPr lang="en-US" sz="2000" dirty="0"/>
-              <a:t> option</a:t>
-            </a:r>
-          </a:p>
-          <a:p>
             <a:r>
               <a:rPr lang="en-US" sz="2000" dirty="0"/>
               <a:t>Prepare your module for distribution</a:t>
@@ -15810,18 +15883,6 @@
               <a:rPr lang="en-US" sz="2000" dirty="0"/>
               <a:t>, Compatibility, etc.)</a:t>
             </a:r>
-          </a:p>
-          <a:p>
-            <a:pPr lvl="1"/>
-            <a:r>
-              <a:rPr lang="en-US" sz="2000" dirty="0"/>
-              <a:t>See requirements for </a:t>
-            </a:r>
-            <a:r>
-              <a:rPr lang="en-US" sz="2000" dirty="0" err="1"/>
-              <a:t>PSGallery</a:t>
-            </a:r>
-            <a:endParaRPr lang="en-US" sz="2000" dirty="0"/>
           </a:p>
           <a:p>
             <a:r>
